--- a/presentations/session_4/vending_machine_design/Vending Machine Hardware Design.pptx
+++ b/presentations/session_4/vending_machine_design/Vending Machine Hardware Design.pptx
@@ -15,13 +15,14 @@
     <p:sldId id="261" r:id="rId9"/>
     <p:sldId id="263" r:id="rId10"/>
     <p:sldId id="264" r:id="rId11"/>
-    <p:sldId id="265" r:id="rId12"/>
-    <p:sldId id="266" r:id="rId13"/>
+    <p:sldId id="266" r:id="rId12"/>
+    <p:sldId id="265" r:id="rId13"/>
     <p:sldId id="267" r:id="rId14"/>
     <p:sldId id="268" r:id="rId15"/>
     <p:sldId id="269" r:id="rId16"/>
     <p:sldId id="270" r:id="rId17"/>
     <p:sldId id="271" r:id="rId18"/>
+    <p:sldId id="273" r:id="rId19"/>
   </p:sldIdLst>
   <p:sldSz cx="12192000" cy="6858000"/>
   <p:notesSz cx="6858000" cy="9144000"/>
@@ -120,6 +121,11 @@
       </a:defRPr>
     </a:lvl9pPr>
   </p:defaultTextStyle>
+  <p:extLst>
+    <p:ext uri="{EFAFB233-063F-42B5-8137-9DF3F51BA10A}">
+      <p15:sldGuideLst xmlns:p15="http://schemas.microsoft.com/office/powerpoint/2012/main"/>
+    </p:ext>
+  </p:extLst>
 </p:presentation>
 </file>
 
@@ -270,7 +276,7 @@
           <a:p>
             <a:fld id="{39796FCB-1FA5-4715-A0C0-4A0FB5211AF1}" type="datetimeFigureOut">
               <a:rPr lang="en-US" smtClean="0"/>
-              <a:t>2/27/2018</a:t>
+              <a:t>2/28/2018</a:t>
             </a:fld>
             <a:endParaRPr lang="en-US"/>
           </a:p>
@@ -468,7 +474,7 @@
           <a:p>
             <a:fld id="{39796FCB-1FA5-4715-A0C0-4A0FB5211AF1}" type="datetimeFigureOut">
               <a:rPr lang="en-US" smtClean="0"/>
-              <a:t>2/27/2018</a:t>
+              <a:t>2/28/2018</a:t>
             </a:fld>
             <a:endParaRPr lang="en-US"/>
           </a:p>
@@ -676,7 +682,7 @@
           <a:p>
             <a:fld id="{39796FCB-1FA5-4715-A0C0-4A0FB5211AF1}" type="datetimeFigureOut">
               <a:rPr lang="en-US" smtClean="0"/>
-              <a:t>2/27/2018</a:t>
+              <a:t>2/28/2018</a:t>
             </a:fld>
             <a:endParaRPr lang="en-US"/>
           </a:p>
@@ -874,7 +880,7 @@
           <a:p>
             <a:fld id="{39796FCB-1FA5-4715-A0C0-4A0FB5211AF1}" type="datetimeFigureOut">
               <a:rPr lang="en-US" smtClean="0"/>
-              <a:t>2/27/2018</a:t>
+              <a:t>2/28/2018</a:t>
             </a:fld>
             <a:endParaRPr lang="en-US"/>
           </a:p>
@@ -1149,7 +1155,7 @@
           <a:p>
             <a:fld id="{39796FCB-1FA5-4715-A0C0-4A0FB5211AF1}" type="datetimeFigureOut">
               <a:rPr lang="en-US" smtClean="0"/>
-              <a:t>2/27/2018</a:t>
+              <a:t>2/28/2018</a:t>
             </a:fld>
             <a:endParaRPr lang="en-US"/>
           </a:p>
@@ -1414,7 +1420,7 @@
           <a:p>
             <a:fld id="{39796FCB-1FA5-4715-A0C0-4A0FB5211AF1}" type="datetimeFigureOut">
               <a:rPr lang="en-US" smtClean="0"/>
-              <a:t>2/27/2018</a:t>
+              <a:t>2/28/2018</a:t>
             </a:fld>
             <a:endParaRPr lang="en-US"/>
           </a:p>
@@ -1826,7 +1832,7 @@
           <a:p>
             <a:fld id="{39796FCB-1FA5-4715-A0C0-4A0FB5211AF1}" type="datetimeFigureOut">
               <a:rPr lang="en-US" smtClean="0"/>
-              <a:t>2/27/2018</a:t>
+              <a:t>2/28/2018</a:t>
             </a:fld>
             <a:endParaRPr lang="en-US"/>
           </a:p>
@@ -1967,7 +1973,7 @@
           <a:p>
             <a:fld id="{39796FCB-1FA5-4715-A0C0-4A0FB5211AF1}" type="datetimeFigureOut">
               <a:rPr lang="en-US" smtClean="0"/>
-              <a:t>2/27/2018</a:t>
+              <a:t>2/28/2018</a:t>
             </a:fld>
             <a:endParaRPr lang="en-US"/>
           </a:p>
@@ -2080,7 +2086,7 @@
           <a:p>
             <a:fld id="{39796FCB-1FA5-4715-A0C0-4A0FB5211AF1}" type="datetimeFigureOut">
               <a:rPr lang="en-US" smtClean="0"/>
-              <a:t>2/27/2018</a:t>
+              <a:t>2/28/2018</a:t>
             </a:fld>
             <a:endParaRPr lang="en-US"/>
           </a:p>
@@ -2391,7 +2397,7 @@
           <a:p>
             <a:fld id="{39796FCB-1FA5-4715-A0C0-4A0FB5211AF1}" type="datetimeFigureOut">
               <a:rPr lang="en-US" smtClean="0"/>
-              <a:t>2/27/2018</a:t>
+              <a:t>2/28/2018</a:t>
             </a:fld>
             <a:endParaRPr lang="en-US"/>
           </a:p>
@@ -2679,7 +2685,7 @@
           <a:p>
             <a:fld id="{39796FCB-1FA5-4715-A0C0-4A0FB5211AF1}" type="datetimeFigureOut">
               <a:rPr lang="en-US" smtClean="0"/>
-              <a:t>2/27/2018</a:t>
+              <a:t>2/28/2018</a:t>
             </a:fld>
             <a:endParaRPr lang="en-US"/>
           </a:p>
@@ -2920,7 +2926,7 @@
           <a:p>
             <a:fld id="{39796FCB-1FA5-4715-A0C0-4A0FB5211AF1}" type="datetimeFigureOut">
               <a:rPr lang="en-US" smtClean="0"/>
-              <a:t>2/27/2018</a:t>
+              <a:t>2/28/2018</a:t>
             </a:fld>
             <a:endParaRPr lang="en-US"/>
           </a:p>
@@ -3448,7 +3454,7 @@
           <a:p>
             <a:r>
               <a:rPr lang="en-US" dirty="0"/>
-              <a:t>Salient Points Continued</a:t>
+              <a:t>What Bluetooth over RS485</a:t>
             </a:r>
           </a:p>
         </p:txBody>
@@ -3525,7 +3531,7 @@
           <p:cNvPr id="2" name="Title 1">
             <a:extLst>
               <a:ext uri="{FF2B5EF4-FFF2-40B4-BE49-F238E27FC236}">
-                <a16:creationId xmlns:a16="http://schemas.microsoft.com/office/drawing/2014/main" id="{400888C8-7CEB-4DF4-BF4E-D329DF0E4D73}"/>
+                <a16:creationId xmlns:a16="http://schemas.microsoft.com/office/drawing/2014/main" id="{63A013FD-7F89-4528-9AEF-8969707EF1EE}"/>
               </a:ext>
             </a:extLst>
           </p:cNvPr>
@@ -3543,7 +3549,7 @@
           <a:p>
             <a:r>
               <a:rPr lang="en-US" dirty="0"/>
-              <a:t>Salient Points Continued</a:t>
+              <a:t>Vending Machine Controller</a:t>
             </a:r>
           </a:p>
         </p:txBody>
@@ -3553,7 +3559,7 @@
           <p:cNvPr id="3" name="Content Placeholder 2">
             <a:extLst>
               <a:ext uri="{FF2B5EF4-FFF2-40B4-BE49-F238E27FC236}">
-                <a16:creationId xmlns:a16="http://schemas.microsoft.com/office/drawing/2014/main" id="{31661B37-9E7C-4E72-8C5C-C6DCF5F5A212}"/>
+                <a16:creationId xmlns:a16="http://schemas.microsoft.com/office/drawing/2014/main" id="{50BACF0A-C947-4687-8A2A-6AEE0D9D02CC}"/>
               </a:ext>
             </a:extLst>
           </p:cNvPr>
@@ -3567,7 +3573,7 @@
         <p:spPr>
           <a:xfrm>
             <a:off x="838200" y="1825625"/>
-            <a:ext cx="10515600" cy="597815"/>
+            <a:ext cx="10515600" cy="726841"/>
           </a:xfrm>
         </p:spPr>
         <p:txBody>
@@ -3576,8 +3582,11 @@
           <a:p>
             <a:r>
               <a:rPr lang="en-US" dirty="0"/>
-              <a:t>Slave Unit</a:t>
-            </a:r>
+              <a:t>Vending Machine Controller Hardware</a:t>
+            </a:r>
+          </a:p>
+          <a:p>
+            <a:endParaRPr lang="en-US" dirty="0"/>
           </a:p>
         </p:txBody>
       </p:sp>
@@ -3586,7 +3595,7 @@
           <p:cNvPr id="4" name="TextBox 3">
             <a:extLst>
               <a:ext uri="{FF2B5EF4-FFF2-40B4-BE49-F238E27FC236}">
-                <a16:creationId xmlns:a16="http://schemas.microsoft.com/office/drawing/2014/main" id="{AD7DC31F-CC7E-4818-A7F1-A0C462726801}"/>
+                <a16:creationId xmlns:a16="http://schemas.microsoft.com/office/drawing/2014/main" id="{D18D7CD7-A913-4D5B-927D-07726EA25848}"/>
               </a:ext>
             </a:extLst>
           </p:cNvPr>
@@ -3595,49 +3604,8 @@
         </p:nvSpPr>
         <p:spPr>
           <a:xfrm>
-            <a:off x="2563686" y="2546856"/>
-            <a:ext cx="2243926" cy="646331"/>
-          </a:xfrm>
-          <a:prstGeom prst="rect">
-            <a:avLst/>
-          </a:prstGeom>
-          <a:noFill/>
-        </p:spPr>
-        <p:txBody>
-          <a:bodyPr wrap="square" rtlCol="0">
-            <a:spAutoFit/>
-          </a:bodyPr>
-          <a:lstStyle/>
-          <a:p>
-            <a:r>
-              <a:rPr lang="en-US" dirty="0"/>
-              <a:t>BLE Processor</a:t>
-            </a:r>
-          </a:p>
-          <a:p>
-            <a:r>
-              <a:rPr lang="en-US" dirty="0"/>
-              <a:t>ESP32 ??</a:t>
-            </a:r>
-          </a:p>
-        </p:txBody>
-      </p:sp>
-      <p:sp>
-        <p:nvSpPr>
-          <p:cNvPr id="5" name="TextBox 4">
-            <a:extLst>
-              <a:ext uri="{FF2B5EF4-FFF2-40B4-BE49-F238E27FC236}">
-                <a16:creationId xmlns:a16="http://schemas.microsoft.com/office/drawing/2014/main" id="{D33D2751-A3DE-4FC5-A6C4-43771AA8A012}"/>
-              </a:ext>
-            </a:extLst>
-          </p:cNvPr>
-          <p:cNvSpPr txBox="1"/>
-          <p:nvPr/>
-        </p:nvSpPr>
-        <p:spPr>
-          <a:xfrm>
-            <a:off x="2215877" y="4207362"/>
-            <a:ext cx="2199048" cy="646331"/>
+            <a:off x="959278" y="2828835"/>
+            <a:ext cx="1548310" cy="1200329"/>
           </a:xfrm>
           <a:prstGeom prst="rect">
             <a:avLst/>
@@ -3659,62 +3627,29 @@
           <a:p>
             <a:r>
               <a:rPr lang="en-US" dirty="0"/>
-              <a:t>Darlington Pair Low</a:t>
-            </a:r>
-          </a:p>
-          <a:p>
-            <a:r>
-              <a:rPr lang="en-US" dirty="0"/>
-              <a:t>Drivers</a:t>
-            </a:r>
-          </a:p>
-        </p:txBody>
-      </p:sp>
-      <p:cxnSp>
-        <p:nvCxnSpPr>
-          <p:cNvPr id="7" name="Straight Arrow Connector 6">
-            <a:extLst>
-              <a:ext uri="{FF2B5EF4-FFF2-40B4-BE49-F238E27FC236}">
-                <a16:creationId xmlns:a16="http://schemas.microsoft.com/office/drawing/2014/main" id="{B0393D16-F8C0-42CD-8489-6E384471CB2A}"/>
-              </a:ext>
-            </a:extLst>
-          </p:cNvPr>
-          <p:cNvCxnSpPr/>
-          <p:nvPr/>
-        </p:nvCxnSpPr>
-        <p:spPr>
-          <a:xfrm>
-            <a:off x="2956373" y="3276133"/>
-            <a:ext cx="0" cy="813423"/>
-          </a:xfrm>
-          <a:prstGeom prst="straightConnector1">
-            <a:avLst/>
-          </a:prstGeom>
-          <a:ln>
-            <a:tailEnd type="triangle"/>
-          </a:ln>
-        </p:spPr>
-        <p:style>
-          <a:lnRef idx="1">
-            <a:schemeClr val="accent1"/>
-          </a:lnRef>
-          <a:fillRef idx="0">
-            <a:schemeClr val="accent1"/>
-          </a:fillRef>
-          <a:effectRef idx="0">
-            <a:schemeClr val="accent1"/>
-          </a:effectRef>
-          <a:fontRef idx="minor">
-            <a:schemeClr val="tx1"/>
-          </a:fontRef>
-        </p:style>
-      </p:cxnSp>
-      <p:sp>
-        <p:nvSpPr>
-          <p:cNvPr id="8" name="TextBox 7">
-            <a:extLst>
-              <a:ext uri="{FF2B5EF4-FFF2-40B4-BE49-F238E27FC236}">
-                <a16:creationId xmlns:a16="http://schemas.microsoft.com/office/drawing/2014/main" id="{D53FCEF9-45BC-4F6F-AAA2-4C410ABBC859}"/>
+              <a:t>24 Volt</a:t>
+            </a:r>
+          </a:p>
+          <a:p>
+            <a:r>
+              <a:rPr lang="en-US" dirty="0"/>
+              <a:t>To 3.3 Volt Switching </a:t>
+            </a:r>
+          </a:p>
+          <a:p>
+            <a:r>
+              <a:rPr lang="en-US" dirty="0"/>
+              <a:t>Regulator</a:t>
+            </a:r>
+          </a:p>
+        </p:txBody>
+      </p:sp>
+      <p:sp>
+        <p:nvSpPr>
+          <p:cNvPr id="5" name="TextBox 4">
+            <a:extLst>
+              <a:ext uri="{FF2B5EF4-FFF2-40B4-BE49-F238E27FC236}">
+                <a16:creationId xmlns:a16="http://schemas.microsoft.com/office/drawing/2014/main" id="{C605AD03-7B08-4CDB-B2D8-575C223122F3}"/>
               </a:ext>
             </a:extLst>
           </p:cNvPr>
@@ -3723,8 +3658,8 @@
         </p:nvSpPr>
         <p:spPr>
           <a:xfrm>
-            <a:off x="908790" y="2799298"/>
-            <a:ext cx="1084015" cy="1200329"/>
+            <a:off x="2776859" y="3046130"/>
+            <a:ext cx="1096262" cy="646331"/>
           </a:xfrm>
           <a:prstGeom prst="rect">
             <a:avLst/>
@@ -3746,35 +3681,23 @@
           <a:p>
             <a:r>
               <a:rPr lang="en-US" dirty="0"/>
-              <a:t>24 to</a:t>
-            </a:r>
-          </a:p>
-          <a:p>
-            <a:r>
-              <a:rPr lang="en-US" dirty="0"/>
-              <a:t>3.3 </a:t>
-            </a:r>
-          </a:p>
-          <a:p>
-            <a:r>
-              <a:rPr lang="en-US" dirty="0"/>
-              <a:t>Switching</a:t>
-            </a:r>
-          </a:p>
-          <a:p>
-            <a:r>
-              <a:rPr lang="en-US" dirty="0"/>
-              <a:t>Regulator</a:t>
-            </a:r>
-          </a:p>
-        </p:txBody>
-      </p:sp>
-      <p:sp>
-        <p:nvSpPr>
-          <p:cNvPr id="9" name="TextBox 8">
-            <a:extLst>
-              <a:ext uri="{FF2B5EF4-FFF2-40B4-BE49-F238E27FC236}">
-                <a16:creationId xmlns:a16="http://schemas.microsoft.com/office/drawing/2014/main" id="{51A43664-43E7-4EA0-80A0-D0A4F6944429}"/>
+              <a:t>ESP32</a:t>
+            </a:r>
+          </a:p>
+          <a:p>
+            <a:r>
+              <a:rPr lang="en-US" dirty="0"/>
+              <a:t>Processor</a:t>
+            </a:r>
+          </a:p>
+        </p:txBody>
+      </p:sp>
+      <p:sp>
+        <p:nvSpPr>
+          <p:cNvPr id="6" name="TextBox 5">
+            <a:extLst>
+              <a:ext uri="{FF2B5EF4-FFF2-40B4-BE49-F238E27FC236}">
+                <a16:creationId xmlns:a16="http://schemas.microsoft.com/office/drawing/2014/main" id="{E91BA046-F6EA-46A6-9BF2-EAAB7CCB0C03}"/>
               </a:ext>
             </a:extLst>
           </p:cNvPr>
@@ -3783,8 +3706,8 @@
         </p:nvSpPr>
         <p:spPr>
           <a:xfrm>
-            <a:off x="5609816" y="3085399"/>
-            <a:ext cx="1565137" cy="369332"/>
+            <a:off x="5615426" y="2990032"/>
+            <a:ext cx="2109291" cy="646331"/>
           </a:xfrm>
           <a:prstGeom prst="rect">
             <a:avLst/>
@@ -3806,56 +3729,23 @@
           <a:p>
             <a:r>
               <a:rPr lang="en-US" dirty="0"/>
-              <a:t>Comparator</a:t>
-            </a:r>
-          </a:p>
-        </p:txBody>
-      </p:sp>
-      <p:cxnSp>
-        <p:nvCxnSpPr>
-          <p:cNvPr id="11" name="Straight Arrow Connector 10">
-            <a:extLst>
-              <a:ext uri="{FF2B5EF4-FFF2-40B4-BE49-F238E27FC236}">
-                <a16:creationId xmlns:a16="http://schemas.microsoft.com/office/drawing/2014/main" id="{5CDADF3E-4F1C-44C4-B9C2-4157E6932B18}"/>
-              </a:ext>
-            </a:extLst>
-          </p:cNvPr>
-          <p:cNvCxnSpPr/>
-          <p:nvPr/>
-        </p:nvCxnSpPr>
-        <p:spPr>
-          <a:xfrm flipH="1">
-            <a:off x="7281541" y="3193187"/>
-            <a:ext cx="942449" cy="43677"/>
-          </a:xfrm>
-          <a:prstGeom prst="straightConnector1">
-            <a:avLst/>
-          </a:prstGeom>
-          <a:ln>
-            <a:tailEnd type="triangle"/>
-          </a:ln>
-        </p:spPr>
-        <p:style>
-          <a:lnRef idx="1">
-            <a:schemeClr val="accent1"/>
-          </a:lnRef>
-          <a:fillRef idx="0">
-            <a:schemeClr val="accent1"/>
-          </a:fillRef>
-          <a:effectRef idx="0">
-            <a:schemeClr val="accent1"/>
-          </a:effectRef>
-          <a:fontRef idx="minor">
-            <a:schemeClr val="tx1"/>
-          </a:fontRef>
-        </p:style>
-      </p:cxnSp>
-      <p:sp>
-        <p:nvSpPr>
-          <p:cNvPr id="12" name="TextBox 11">
-            <a:extLst>
-              <a:ext uri="{FF2B5EF4-FFF2-40B4-BE49-F238E27FC236}">
-                <a16:creationId xmlns:a16="http://schemas.microsoft.com/office/drawing/2014/main" id="{9C0BDFDD-F3DF-435E-86BA-8691B0785EEE}"/>
+              <a:t>High End Driver</a:t>
+            </a:r>
+          </a:p>
+          <a:p>
+            <a:r>
+              <a:rPr lang="en-US" dirty="0"/>
+              <a:t>PWM Bridge</a:t>
+            </a:r>
+          </a:p>
+        </p:txBody>
+      </p:sp>
+      <p:sp>
+        <p:nvSpPr>
+          <p:cNvPr id="7" name="TextBox 6">
+            <a:extLst>
+              <a:ext uri="{FF2B5EF4-FFF2-40B4-BE49-F238E27FC236}">
+                <a16:creationId xmlns:a16="http://schemas.microsoft.com/office/drawing/2014/main" id="{83422CA6-38AF-4DDB-8A6A-B6A20F532AB6}"/>
               </a:ext>
             </a:extLst>
           </p:cNvPr>
@@ -3864,13 +3754,15 @@
         </p:nvSpPr>
         <p:spPr>
           <a:xfrm>
-            <a:off x="8424623" y="2775199"/>
-            <a:ext cx="1262208" cy="923330"/>
+            <a:off x="4527120" y="3636363"/>
+            <a:ext cx="1279039" cy="923330"/>
           </a:xfrm>
           <a:prstGeom prst="rect">
             <a:avLst/>
           </a:prstGeom>
-          <a:noFill/>
+          <a:solidFill>
+            <a:schemeClr val="bg2"/>
+          </a:solidFill>
         </p:spPr>
         <p:txBody>
           <a:bodyPr wrap="square" rtlCol="0">
@@ -3880,37 +3772,44 @@
           <a:p>
             <a:r>
               <a:rPr lang="en-US" dirty="0"/>
-              <a:t>Sense line from</a:t>
-            </a:r>
-          </a:p>
-          <a:p>
-            <a:r>
-              <a:rPr lang="en-US" dirty="0"/>
-              <a:t>motors</a:t>
+              <a:t>Current </a:t>
+            </a:r>
+          </a:p>
+          <a:p>
+            <a:r>
+              <a:rPr lang="en-US" dirty="0"/>
+              <a:t>Sense</a:t>
+            </a:r>
+          </a:p>
+          <a:p>
+            <a:r>
+              <a:rPr lang="en-US" dirty="0"/>
+              <a:t>Resistors</a:t>
             </a:r>
           </a:p>
         </p:txBody>
       </p:sp>
       <p:cxnSp>
         <p:nvCxnSpPr>
-          <p:cNvPr id="14" name="Straight Arrow Connector 13">
-            <a:extLst>
-              <a:ext uri="{FF2B5EF4-FFF2-40B4-BE49-F238E27FC236}">
-                <a16:creationId xmlns:a16="http://schemas.microsoft.com/office/drawing/2014/main" id="{E4FF715A-679E-41C5-BB1E-B48FF50A6CF6}"/>
+          <p:cNvPr id="9" name="Connector: Elbow 8">
+            <a:extLst>
+              <a:ext uri="{FF2B5EF4-FFF2-40B4-BE49-F238E27FC236}">
+                <a16:creationId xmlns:a16="http://schemas.microsoft.com/office/drawing/2014/main" id="{568E32D1-C4B5-4B7C-B9E5-3EAE5DE20B9F}"/>
               </a:ext>
             </a:extLst>
           </p:cNvPr>
           <p:cNvCxnSpPr>
-            <a:endCxn id="4" idx="1"/>
+            <a:cxnSpLocks/>
+            <a:endCxn id="7" idx="0"/>
           </p:cNvCxnSpPr>
           <p:nvPr/>
         </p:nvCxnSpPr>
         <p:spPr>
-          <a:xfrm flipV="1">
-            <a:off x="2092461" y="2870022"/>
-            <a:ext cx="471225" cy="215377"/>
-          </a:xfrm>
-          <a:prstGeom prst="straightConnector1">
+          <a:xfrm rot="10800000" flipV="1">
+            <a:off x="5166640" y="3472475"/>
+            <a:ext cx="448786" cy="163888"/>
+          </a:xfrm>
+          <a:prstGeom prst="bentConnector2">
             <a:avLst/>
           </a:prstGeom>
           <a:ln>
@@ -3934,10 +3833,10 @@
       </p:cxnSp>
       <p:cxnSp>
         <p:nvCxnSpPr>
-          <p:cNvPr id="18" name="Straight Arrow Connector 17">
-            <a:extLst>
-              <a:ext uri="{FF2B5EF4-FFF2-40B4-BE49-F238E27FC236}">
-                <a16:creationId xmlns:a16="http://schemas.microsoft.com/office/drawing/2014/main" id="{02AD5AE6-B3BF-4F22-83AC-4DB52EAF9BD7}"/>
+          <p:cNvPr id="11" name="Straight Arrow Connector 10">
+            <a:extLst>
+              <a:ext uri="{FF2B5EF4-FFF2-40B4-BE49-F238E27FC236}">
+                <a16:creationId xmlns:a16="http://schemas.microsoft.com/office/drawing/2014/main" id="{9EA54AE1-1094-46B2-B490-16AB905396B5}"/>
               </a:ext>
             </a:extLst>
           </p:cNvPr>
@@ -3945,9 +3844,9 @@
           <p:nvPr/>
         </p:nvCxnSpPr>
         <p:spPr>
-          <a:xfrm flipH="1" flipV="1">
-            <a:off x="3943701" y="3085399"/>
-            <a:ext cx="1351965" cy="107788"/>
+          <a:xfrm>
+            <a:off x="7724717" y="3112439"/>
+            <a:ext cx="2614174" cy="0"/>
           </a:xfrm>
           <a:prstGeom prst="straightConnector1">
             <a:avLst/>
@@ -3973,10 +3872,10 @@
       </p:cxnSp>
       <p:cxnSp>
         <p:nvCxnSpPr>
-          <p:cNvPr id="20" name="Straight Arrow Connector 19">
-            <a:extLst>
-              <a:ext uri="{FF2B5EF4-FFF2-40B4-BE49-F238E27FC236}">
-                <a16:creationId xmlns:a16="http://schemas.microsoft.com/office/drawing/2014/main" id="{68FD9753-30E3-4F08-A338-B8033635F922}"/>
+          <p:cNvPr id="13" name="Straight Arrow Connector 12">
+            <a:extLst>
+              <a:ext uri="{FF2B5EF4-FFF2-40B4-BE49-F238E27FC236}">
+                <a16:creationId xmlns:a16="http://schemas.microsoft.com/office/drawing/2014/main" id="{D4CB6A2F-2CEF-4229-92A2-F61F12C191D0}"/>
               </a:ext>
             </a:extLst>
           </p:cNvPr>
@@ -3984,9 +3883,9 @@
           <p:nvPr/>
         </p:nvCxnSpPr>
         <p:spPr>
-          <a:xfrm>
-            <a:off x="3125328" y="5284447"/>
-            <a:ext cx="0" cy="1150012"/>
+          <a:xfrm flipH="1">
+            <a:off x="7724717" y="3587113"/>
+            <a:ext cx="2821738" cy="0"/>
           </a:xfrm>
           <a:prstGeom prst="straightConnector1">
             <a:avLst/>
@@ -4010,150 +3909,22 @@
           </a:fontRef>
         </p:style>
       </p:cxnSp>
-      <p:sp>
-        <p:nvSpPr>
-          <p:cNvPr id="21" name="Rectangle 20">
-            <a:extLst>
-              <a:ext uri="{FF2B5EF4-FFF2-40B4-BE49-F238E27FC236}">
-                <a16:creationId xmlns:a16="http://schemas.microsoft.com/office/drawing/2014/main" id="{409D514B-BB41-4179-B247-A27DC1F48D20}"/>
-              </a:ext>
-            </a:extLst>
-          </p:cNvPr>
-          <p:cNvSpPr/>
-          <p:nvPr/>
-        </p:nvSpPr>
-        <p:spPr>
-          <a:xfrm>
-            <a:off x="3125328" y="5652490"/>
-            <a:ext cx="2054858" cy="646331"/>
-          </a:xfrm>
-          <a:prstGeom prst="rect">
-            <a:avLst/>
-          </a:prstGeom>
-          <a:noFill/>
-        </p:spPr>
-        <p:txBody>
-          <a:bodyPr wrap="none" lIns="91440" tIns="45720" rIns="91440" bIns="45720">
-            <a:spAutoFit/>
-          </a:bodyPr>
-          <a:lstStyle/>
-          <a:p>
-            <a:pPr algn="ctr"/>
-            <a:r>
-              <a:rPr lang="en-US" sz="3600" b="0" cap="none" spc="0" dirty="0">
-                <a:ln w="0"/>
-                <a:solidFill>
-                  <a:schemeClr val="tx1"/>
-                </a:solidFill>
-                <a:effectLst>
-                  <a:outerShdw blurRad="38100" dist="19050" dir="2700000" algn="tl" rotWithShape="0">
-                    <a:schemeClr val="dk1">
-                      <a:alpha val="40000"/>
-                    </a:schemeClr>
-                  </a:outerShdw>
-                </a:effectLst>
-              </a:rPr>
-              <a:t>To motors</a:t>
-            </a:r>
-          </a:p>
-        </p:txBody>
-      </p:sp>
-      <p:sp>
-        <p:nvSpPr>
-          <p:cNvPr id="22" name="TextBox 21">
-            <a:extLst>
-              <a:ext uri="{FF2B5EF4-FFF2-40B4-BE49-F238E27FC236}">
-                <a16:creationId xmlns:a16="http://schemas.microsoft.com/office/drawing/2014/main" id="{92461CD0-E824-4299-8F8D-71F0142ECC98}"/>
-              </a:ext>
-            </a:extLst>
-          </p:cNvPr>
-          <p:cNvSpPr txBox="1"/>
-          <p:nvPr/>
-        </p:nvSpPr>
-        <p:spPr>
-          <a:xfrm>
-            <a:off x="7472275" y="1284648"/>
-            <a:ext cx="2214556" cy="923330"/>
-          </a:xfrm>
-          <a:prstGeom prst="rect">
-            <a:avLst/>
-          </a:prstGeom>
-          <a:noFill/>
-        </p:spPr>
-        <p:txBody>
-          <a:bodyPr wrap="square" rtlCol="0">
-            <a:spAutoFit/>
-          </a:bodyPr>
-          <a:lstStyle/>
-          <a:p>
-            <a:r>
-              <a:rPr lang="en-US" dirty="0"/>
-              <a:t>Slave would have one command.  Spin motor one cycle</a:t>
-            </a:r>
-          </a:p>
-        </p:txBody>
-      </p:sp>
-      <p:sp>
-        <p:nvSpPr>
-          <p:cNvPr id="23" name="TextBox 22">
-            <a:extLst>
-              <a:ext uri="{FF2B5EF4-FFF2-40B4-BE49-F238E27FC236}">
-                <a16:creationId xmlns:a16="http://schemas.microsoft.com/office/drawing/2014/main" id="{D55BFBCB-C0B0-4B0F-B1BF-30E2D30AF563}"/>
-              </a:ext>
-            </a:extLst>
-          </p:cNvPr>
-          <p:cNvSpPr txBox="1"/>
-          <p:nvPr/>
-        </p:nvSpPr>
-        <p:spPr>
-          <a:xfrm>
-            <a:off x="3408442" y="1270496"/>
-            <a:ext cx="1920883" cy="923330"/>
-          </a:xfrm>
-          <a:prstGeom prst="rect">
-            <a:avLst/>
-          </a:prstGeom>
-          <a:solidFill>
-            <a:schemeClr val="bg2"/>
-          </a:solidFill>
-          <a:ln>
-            <a:solidFill>
-              <a:schemeClr val="tx1"/>
-            </a:solidFill>
-          </a:ln>
-        </p:spPr>
-        <p:txBody>
-          <a:bodyPr wrap="square" rtlCol="0">
-            <a:spAutoFit/>
-          </a:bodyPr>
-          <a:lstStyle/>
-          <a:p>
-            <a:r>
-              <a:rPr lang="en-US" dirty="0"/>
-              <a:t>Pins to identify Vending Machine Row</a:t>
-            </a:r>
-          </a:p>
-        </p:txBody>
-      </p:sp>
       <p:cxnSp>
         <p:nvCxnSpPr>
-          <p:cNvPr id="25" name="Straight Arrow Connector 24">
-            <a:extLst>
-              <a:ext uri="{FF2B5EF4-FFF2-40B4-BE49-F238E27FC236}">
-                <a16:creationId xmlns:a16="http://schemas.microsoft.com/office/drawing/2014/main" id="{F9E432D9-FDBC-4B62-8243-A959D201173F}"/>
-              </a:ext>
-            </a:extLst>
-          </p:cNvPr>
-          <p:cNvCxnSpPr>
-            <a:cxnSpLocks/>
-            <a:endCxn id="4" idx="0"/>
-          </p:cNvCxnSpPr>
+          <p:cNvPr id="15" name="Straight Arrow Connector 14">
+            <a:extLst>
+              <a:ext uri="{FF2B5EF4-FFF2-40B4-BE49-F238E27FC236}">
+                <a16:creationId xmlns:a16="http://schemas.microsoft.com/office/drawing/2014/main" id="{16294AF2-1AA9-48BD-868C-F0E16BCD1FAD}"/>
+              </a:ext>
+            </a:extLst>
+          </p:cNvPr>
+          <p:cNvCxnSpPr/>
           <p:nvPr/>
         </p:nvCxnSpPr>
         <p:spPr>
-          <a:xfrm flipH="1">
-            <a:off x="3685649" y="2281651"/>
-            <a:ext cx="258052" cy="265205"/>
+          <a:xfrm>
+            <a:off x="3680039" y="3197595"/>
+            <a:ext cx="1800751" cy="0"/>
           </a:xfrm>
           <a:prstGeom prst="straightConnector1">
             <a:avLst/>
@@ -4177,10 +3948,326 @@
           </a:fontRef>
         </p:style>
       </p:cxnSp>
+      <p:cxnSp>
+        <p:nvCxnSpPr>
+          <p:cNvPr id="17" name="Straight Arrow Connector 16">
+            <a:extLst>
+              <a:ext uri="{FF2B5EF4-FFF2-40B4-BE49-F238E27FC236}">
+                <a16:creationId xmlns:a16="http://schemas.microsoft.com/office/drawing/2014/main" id="{6C48E071-1B59-4876-9798-1924856EAFC1}"/>
+              </a:ext>
+            </a:extLst>
+          </p:cNvPr>
+          <p:cNvCxnSpPr/>
+          <p:nvPr/>
+        </p:nvCxnSpPr>
+        <p:spPr>
+          <a:xfrm flipH="1" flipV="1">
+            <a:off x="3657600" y="3692461"/>
+            <a:ext cx="746106" cy="514901"/>
+          </a:xfrm>
+          <a:prstGeom prst="straightConnector1">
+            <a:avLst/>
+          </a:prstGeom>
+          <a:ln>
+            <a:tailEnd type="triangle"/>
+          </a:ln>
+        </p:spPr>
+        <p:style>
+          <a:lnRef idx="1">
+            <a:schemeClr val="accent1"/>
+          </a:lnRef>
+          <a:fillRef idx="0">
+            <a:schemeClr val="accent1"/>
+          </a:fillRef>
+          <a:effectRef idx="0">
+            <a:schemeClr val="accent1"/>
+          </a:effectRef>
+          <a:fontRef idx="minor">
+            <a:schemeClr val="tx1"/>
+          </a:fontRef>
+        </p:style>
+      </p:cxnSp>
+      <p:sp>
+        <p:nvSpPr>
+          <p:cNvPr id="18" name="TextBox 17">
+            <a:extLst>
+              <a:ext uri="{FF2B5EF4-FFF2-40B4-BE49-F238E27FC236}">
+                <a16:creationId xmlns:a16="http://schemas.microsoft.com/office/drawing/2014/main" id="{1748A368-BB4D-4354-B16F-0FA8D3589BF3}"/>
+              </a:ext>
+            </a:extLst>
+          </p:cNvPr>
+          <p:cNvSpPr txBox="1"/>
+          <p:nvPr/>
+        </p:nvSpPr>
+        <p:spPr>
+          <a:xfrm>
+            <a:off x="8465576" y="2084663"/>
+            <a:ext cx="1641332" cy="646331"/>
+          </a:xfrm>
+          <a:prstGeom prst="rect">
+            <a:avLst/>
+          </a:prstGeom>
+          <a:noFill/>
+        </p:spPr>
+        <p:txBody>
+          <a:bodyPr wrap="square" rtlCol="0">
+            <a:spAutoFit/>
+          </a:bodyPr>
+          <a:lstStyle/>
+          <a:p>
+            <a:r>
+              <a:rPr lang="en-US" dirty="0"/>
+              <a:t>High Side Motor Drive</a:t>
+            </a:r>
+          </a:p>
+        </p:txBody>
+      </p:sp>
+      <p:sp>
+        <p:nvSpPr>
+          <p:cNvPr id="19" name="TextBox 18">
+            <a:extLst>
+              <a:ext uri="{FF2B5EF4-FFF2-40B4-BE49-F238E27FC236}">
+                <a16:creationId xmlns:a16="http://schemas.microsoft.com/office/drawing/2014/main" id="{A16C0FE5-BBA5-4455-A480-443E15AD0618}"/>
+              </a:ext>
+            </a:extLst>
+          </p:cNvPr>
+          <p:cNvSpPr txBox="1"/>
+          <p:nvPr/>
+        </p:nvSpPr>
+        <p:spPr>
+          <a:xfrm>
+            <a:off x="8167891" y="3901710"/>
+            <a:ext cx="2236703" cy="369332"/>
+          </a:xfrm>
+          <a:prstGeom prst="rect">
+            <a:avLst/>
+          </a:prstGeom>
+          <a:noFill/>
+        </p:spPr>
+        <p:txBody>
+          <a:bodyPr wrap="none" rtlCol="0">
+            <a:spAutoFit/>
+          </a:bodyPr>
+          <a:lstStyle/>
+          <a:p>
+            <a:r>
+              <a:rPr lang="en-US" dirty="0"/>
+              <a:t>Motor Return Current</a:t>
+            </a:r>
+          </a:p>
+        </p:txBody>
+      </p:sp>
+      <p:sp>
+        <p:nvSpPr>
+          <p:cNvPr id="20" name="TextBox 19">
+            <a:extLst>
+              <a:ext uri="{FF2B5EF4-FFF2-40B4-BE49-F238E27FC236}">
+                <a16:creationId xmlns:a16="http://schemas.microsoft.com/office/drawing/2014/main" id="{B4EFF1AD-1D6B-4EAD-9FB8-2241F90862EA}"/>
+              </a:ext>
+            </a:extLst>
+          </p:cNvPr>
+          <p:cNvSpPr txBox="1"/>
+          <p:nvPr/>
+        </p:nvSpPr>
+        <p:spPr>
+          <a:xfrm>
+            <a:off x="2776859" y="4029164"/>
+            <a:ext cx="1012008" cy="1477328"/>
+          </a:xfrm>
+          <a:prstGeom prst="rect">
+            <a:avLst/>
+          </a:prstGeom>
+          <a:noFill/>
+        </p:spPr>
+        <p:txBody>
+          <a:bodyPr wrap="none" rtlCol="0">
+            <a:spAutoFit/>
+          </a:bodyPr>
+          <a:lstStyle/>
+          <a:p>
+            <a:r>
+              <a:rPr lang="en-US" dirty="0"/>
+              <a:t>Measure</a:t>
+            </a:r>
+          </a:p>
+          <a:p>
+            <a:r>
+              <a:rPr lang="en-US" dirty="0"/>
+              <a:t>Vending</a:t>
+            </a:r>
+          </a:p>
+          <a:p>
+            <a:r>
+              <a:rPr lang="en-US" dirty="0"/>
+              <a:t>Machine</a:t>
+            </a:r>
+          </a:p>
+          <a:p>
+            <a:r>
+              <a:rPr lang="en-US" dirty="0"/>
+              <a:t>Motor</a:t>
+            </a:r>
+          </a:p>
+          <a:p>
+            <a:r>
+              <a:rPr lang="en-US" dirty="0"/>
+              <a:t>Current</a:t>
+            </a:r>
+          </a:p>
+        </p:txBody>
+      </p:sp>
+      <p:cxnSp>
+        <p:nvCxnSpPr>
+          <p:cNvPr id="10" name="Straight Arrow Connector 9">
+            <a:extLst>
+              <a:ext uri="{FF2B5EF4-FFF2-40B4-BE49-F238E27FC236}">
+                <a16:creationId xmlns:a16="http://schemas.microsoft.com/office/drawing/2014/main" id="{7B8FBE5E-60CB-45E3-8A4B-54F862BD88D8}"/>
+              </a:ext>
+            </a:extLst>
+          </p:cNvPr>
+          <p:cNvCxnSpPr/>
+          <p:nvPr/>
+        </p:nvCxnSpPr>
+        <p:spPr>
+          <a:xfrm flipH="1">
+            <a:off x="3164378" y="2410691"/>
+            <a:ext cx="493222" cy="635439"/>
+          </a:xfrm>
+          <a:prstGeom prst="straightConnector1">
+            <a:avLst/>
+          </a:prstGeom>
+          <a:ln>
+            <a:tailEnd type="triangle"/>
+          </a:ln>
+        </p:spPr>
+        <p:style>
+          <a:lnRef idx="1">
+            <a:schemeClr val="accent1"/>
+          </a:lnRef>
+          <a:fillRef idx="0">
+            <a:schemeClr val="accent1"/>
+          </a:fillRef>
+          <a:effectRef idx="0">
+            <a:schemeClr val="accent1"/>
+          </a:effectRef>
+          <a:fontRef idx="minor">
+            <a:schemeClr val="tx1"/>
+          </a:fontRef>
+        </p:style>
+      </p:cxnSp>
+      <p:cxnSp>
+        <p:nvCxnSpPr>
+          <p:cNvPr id="14" name="Straight Arrow Connector 13">
+            <a:extLst>
+              <a:ext uri="{FF2B5EF4-FFF2-40B4-BE49-F238E27FC236}">
+                <a16:creationId xmlns:a16="http://schemas.microsoft.com/office/drawing/2014/main" id="{399882AF-C050-45CB-BEE9-2F962FD823D1}"/>
+              </a:ext>
+            </a:extLst>
+          </p:cNvPr>
+          <p:cNvCxnSpPr/>
+          <p:nvPr/>
+        </p:nvCxnSpPr>
+        <p:spPr>
+          <a:xfrm flipH="1">
+            <a:off x="1318953" y="3751811"/>
+            <a:ext cx="1457906" cy="2549236"/>
+          </a:xfrm>
+          <a:prstGeom prst="straightConnector1">
+            <a:avLst/>
+          </a:prstGeom>
+          <a:ln>
+            <a:tailEnd type="triangle"/>
+          </a:ln>
+        </p:spPr>
+        <p:style>
+          <a:lnRef idx="1">
+            <a:schemeClr val="accent1"/>
+          </a:lnRef>
+          <a:fillRef idx="0">
+            <a:schemeClr val="accent1"/>
+          </a:fillRef>
+          <a:effectRef idx="0">
+            <a:schemeClr val="accent1"/>
+          </a:effectRef>
+          <a:fontRef idx="minor">
+            <a:schemeClr val="tx1"/>
+          </a:fontRef>
+        </p:style>
+      </p:cxnSp>
+      <p:sp>
+        <p:nvSpPr>
+          <p:cNvPr id="21" name="TextBox 20">
+            <a:extLst>
+              <a:ext uri="{FF2B5EF4-FFF2-40B4-BE49-F238E27FC236}">
+                <a16:creationId xmlns:a16="http://schemas.microsoft.com/office/drawing/2014/main" id="{63EC0427-6119-4691-81BD-13DCD1E715E6}"/>
+              </a:ext>
+            </a:extLst>
+          </p:cNvPr>
+          <p:cNvSpPr txBox="1"/>
+          <p:nvPr/>
+        </p:nvSpPr>
+        <p:spPr>
+          <a:xfrm>
+            <a:off x="3591098" y="2482735"/>
+            <a:ext cx="2392506" cy="369332"/>
+          </a:xfrm>
+          <a:prstGeom prst="rect">
+            <a:avLst/>
+          </a:prstGeom>
+          <a:noFill/>
+        </p:spPr>
+        <p:txBody>
+          <a:bodyPr wrap="square" rtlCol="0">
+            <a:spAutoFit/>
+          </a:bodyPr>
+          <a:lstStyle/>
+          <a:p>
+            <a:r>
+              <a:rPr lang="en-US" dirty="0"/>
+              <a:t>WIFI Commands</a:t>
+            </a:r>
+          </a:p>
+        </p:txBody>
+      </p:sp>
+      <p:sp>
+        <p:nvSpPr>
+          <p:cNvPr id="22" name="TextBox 21">
+            <a:extLst>
+              <a:ext uri="{FF2B5EF4-FFF2-40B4-BE49-F238E27FC236}">
+                <a16:creationId xmlns:a16="http://schemas.microsoft.com/office/drawing/2014/main" id="{1C144B60-6B50-43B0-A9C2-515DBC410774}"/>
+              </a:ext>
+            </a:extLst>
+          </p:cNvPr>
+          <p:cNvSpPr txBox="1"/>
+          <p:nvPr/>
+        </p:nvSpPr>
+        <p:spPr>
+          <a:xfrm>
+            <a:off x="1717964" y="6184669"/>
+            <a:ext cx="2342949" cy="369332"/>
+          </a:xfrm>
+          <a:prstGeom prst="rect">
+            <a:avLst/>
+          </a:prstGeom>
+          <a:noFill/>
+        </p:spPr>
+        <p:txBody>
+          <a:bodyPr wrap="none" rtlCol="0">
+            <a:spAutoFit/>
+          </a:bodyPr>
+          <a:lstStyle/>
+          <a:p>
+            <a:r>
+              <a:rPr lang="en-US" dirty="0"/>
+              <a:t>BLE Command To Slave</a:t>
+            </a:r>
+          </a:p>
+        </p:txBody>
+      </p:sp>
     </p:spTree>
     <p:extLst>
       <p:ext uri="{BB962C8B-B14F-4D97-AF65-F5344CB8AC3E}">
-        <p14:creationId xmlns:p14="http://schemas.microsoft.com/office/powerpoint/2010/main" val="1526197645"/>
+        <p14:creationId xmlns:p14="http://schemas.microsoft.com/office/powerpoint/2010/main" val="4272178738"/>
       </p:ext>
     </p:extLst>
   </p:cSld>
@@ -4212,7 +4299,7 @@
           <p:cNvPr id="2" name="Title 1">
             <a:extLst>
               <a:ext uri="{FF2B5EF4-FFF2-40B4-BE49-F238E27FC236}">
-                <a16:creationId xmlns:a16="http://schemas.microsoft.com/office/drawing/2014/main" id="{63A013FD-7F89-4528-9AEF-8969707EF1EE}"/>
+                <a16:creationId xmlns:a16="http://schemas.microsoft.com/office/drawing/2014/main" id="{400888C8-7CEB-4DF4-BF4E-D329DF0E4D73}"/>
               </a:ext>
             </a:extLst>
           </p:cNvPr>
@@ -4230,7 +4317,7 @@
           <a:p>
             <a:r>
               <a:rPr lang="en-US" dirty="0"/>
-              <a:t>Salient Points Continued</a:t>
+              <a:t>Motor Slave</a:t>
             </a:r>
           </a:p>
         </p:txBody>
@@ -4240,7 +4327,7 @@
           <p:cNvPr id="3" name="Content Placeholder 2">
             <a:extLst>
               <a:ext uri="{FF2B5EF4-FFF2-40B4-BE49-F238E27FC236}">
-                <a16:creationId xmlns:a16="http://schemas.microsoft.com/office/drawing/2014/main" id="{50BACF0A-C947-4687-8A2A-6AEE0D9D02CC}"/>
+                <a16:creationId xmlns:a16="http://schemas.microsoft.com/office/drawing/2014/main" id="{31661B37-9E7C-4E72-8C5C-C6DCF5F5A212}"/>
               </a:ext>
             </a:extLst>
           </p:cNvPr>
@@ -4254,7 +4341,7 @@
         <p:spPr>
           <a:xfrm>
             <a:off x="838200" y="1825625"/>
-            <a:ext cx="10515600" cy="726841"/>
+            <a:ext cx="10515600" cy="597815"/>
           </a:xfrm>
         </p:spPr>
         <p:txBody>
@@ -4263,11 +4350,8 @@
           <a:p>
             <a:r>
               <a:rPr lang="en-US" dirty="0"/>
-              <a:t>Vending Machine Controller Hardware</a:t>
-            </a:r>
-          </a:p>
-          <a:p>
-            <a:endParaRPr lang="en-US" dirty="0"/>
+              <a:t>Slave Unit</a:t>
+            </a:r>
           </a:p>
         </p:txBody>
       </p:sp>
@@ -4276,7 +4360,7 @@
           <p:cNvPr id="4" name="TextBox 3">
             <a:extLst>
               <a:ext uri="{FF2B5EF4-FFF2-40B4-BE49-F238E27FC236}">
-                <a16:creationId xmlns:a16="http://schemas.microsoft.com/office/drawing/2014/main" id="{D18D7CD7-A913-4D5B-927D-07726EA25848}"/>
+                <a16:creationId xmlns:a16="http://schemas.microsoft.com/office/drawing/2014/main" id="{AD7DC31F-CC7E-4818-A7F1-A0C462726801}"/>
               </a:ext>
             </a:extLst>
           </p:cNvPr>
@@ -4285,8 +4369,49 @@
         </p:nvSpPr>
         <p:spPr>
           <a:xfrm>
-            <a:off x="959278" y="2828835"/>
-            <a:ext cx="1548310" cy="1200329"/>
+            <a:off x="2563686" y="2546856"/>
+            <a:ext cx="2243926" cy="646331"/>
+          </a:xfrm>
+          <a:prstGeom prst="rect">
+            <a:avLst/>
+          </a:prstGeom>
+          <a:noFill/>
+        </p:spPr>
+        <p:txBody>
+          <a:bodyPr wrap="square" rtlCol="0">
+            <a:spAutoFit/>
+          </a:bodyPr>
+          <a:lstStyle/>
+          <a:p>
+            <a:r>
+              <a:rPr lang="en-US" dirty="0"/>
+              <a:t>BLE Processor</a:t>
+            </a:r>
+          </a:p>
+          <a:p>
+            <a:r>
+              <a:rPr lang="en-US" dirty="0"/>
+              <a:t>ESP32 ??</a:t>
+            </a:r>
+          </a:p>
+        </p:txBody>
+      </p:sp>
+      <p:sp>
+        <p:nvSpPr>
+          <p:cNvPr id="5" name="TextBox 4">
+            <a:extLst>
+              <a:ext uri="{FF2B5EF4-FFF2-40B4-BE49-F238E27FC236}">
+                <a16:creationId xmlns:a16="http://schemas.microsoft.com/office/drawing/2014/main" id="{D33D2751-A3DE-4FC5-A6C4-43771AA8A012}"/>
+              </a:ext>
+            </a:extLst>
+          </p:cNvPr>
+          <p:cNvSpPr txBox="1"/>
+          <p:nvPr/>
+        </p:nvSpPr>
+        <p:spPr>
+          <a:xfrm>
+            <a:off x="2215877" y="4207362"/>
+            <a:ext cx="2199048" cy="646331"/>
           </a:xfrm>
           <a:prstGeom prst="rect">
             <a:avLst/>
@@ -4308,29 +4433,62 @@
           <a:p>
             <a:r>
               <a:rPr lang="en-US" dirty="0"/>
-              <a:t>24 Volt</a:t>
-            </a:r>
-          </a:p>
-          <a:p>
-            <a:r>
-              <a:rPr lang="en-US" dirty="0"/>
-              <a:t>To 3.3 Volt Switching </a:t>
-            </a:r>
-          </a:p>
-          <a:p>
-            <a:r>
-              <a:rPr lang="en-US" dirty="0"/>
-              <a:t>Regulator</a:t>
-            </a:r>
-          </a:p>
-        </p:txBody>
-      </p:sp>
-      <p:sp>
-        <p:nvSpPr>
-          <p:cNvPr id="5" name="TextBox 4">
-            <a:extLst>
-              <a:ext uri="{FF2B5EF4-FFF2-40B4-BE49-F238E27FC236}">
-                <a16:creationId xmlns:a16="http://schemas.microsoft.com/office/drawing/2014/main" id="{C605AD03-7B08-4CDB-B2D8-575C223122F3}"/>
+              <a:t>Darlington Pair Low</a:t>
+            </a:r>
+          </a:p>
+          <a:p>
+            <a:r>
+              <a:rPr lang="en-US" dirty="0"/>
+              <a:t>Drivers</a:t>
+            </a:r>
+          </a:p>
+        </p:txBody>
+      </p:sp>
+      <p:cxnSp>
+        <p:nvCxnSpPr>
+          <p:cNvPr id="7" name="Straight Arrow Connector 6">
+            <a:extLst>
+              <a:ext uri="{FF2B5EF4-FFF2-40B4-BE49-F238E27FC236}">
+                <a16:creationId xmlns:a16="http://schemas.microsoft.com/office/drawing/2014/main" id="{B0393D16-F8C0-42CD-8489-6E384471CB2A}"/>
+              </a:ext>
+            </a:extLst>
+          </p:cNvPr>
+          <p:cNvCxnSpPr/>
+          <p:nvPr/>
+        </p:nvCxnSpPr>
+        <p:spPr>
+          <a:xfrm>
+            <a:off x="2956373" y="3276133"/>
+            <a:ext cx="0" cy="813423"/>
+          </a:xfrm>
+          <a:prstGeom prst="straightConnector1">
+            <a:avLst/>
+          </a:prstGeom>
+          <a:ln>
+            <a:tailEnd type="triangle"/>
+          </a:ln>
+        </p:spPr>
+        <p:style>
+          <a:lnRef idx="1">
+            <a:schemeClr val="accent1"/>
+          </a:lnRef>
+          <a:fillRef idx="0">
+            <a:schemeClr val="accent1"/>
+          </a:fillRef>
+          <a:effectRef idx="0">
+            <a:schemeClr val="accent1"/>
+          </a:effectRef>
+          <a:fontRef idx="minor">
+            <a:schemeClr val="tx1"/>
+          </a:fontRef>
+        </p:style>
+      </p:cxnSp>
+      <p:sp>
+        <p:nvSpPr>
+          <p:cNvPr id="8" name="TextBox 7">
+            <a:extLst>
+              <a:ext uri="{FF2B5EF4-FFF2-40B4-BE49-F238E27FC236}">
+                <a16:creationId xmlns:a16="http://schemas.microsoft.com/office/drawing/2014/main" id="{D53FCEF9-45BC-4F6F-AAA2-4C410ABBC859}"/>
               </a:ext>
             </a:extLst>
           </p:cNvPr>
@@ -4339,8 +4497,8 @@
         </p:nvSpPr>
         <p:spPr>
           <a:xfrm>
-            <a:off x="2776859" y="3046130"/>
-            <a:ext cx="1096262" cy="646331"/>
+            <a:off x="908790" y="2799298"/>
+            <a:ext cx="1084015" cy="1200329"/>
           </a:xfrm>
           <a:prstGeom prst="rect">
             <a:avLst/>
@@ -4362,23 +4520,35 @@
           <a:p>
             <a:r>
               <a:rPr lang="en-US" dirty="0"/>
-              <a:t>ESP32</a:t>
-            </a:r>
-          </a:p>
-          <a:p>
-            <a:r>
-              <a:rPr lang="en-US" dirty="0"/>
-              <a:t>Processor</a:t>
-            </a:r>
-          </a:p>
-        </p:txBody>
-      </p:sp>
-      <p:sp>
-        <p:nvSpPr>
-          <p:cNvPr id="6" name="TextBox 5">
-            <a:extLst>
-              <a:ext uri="{FF2B5EF4-FFF2-40B4-BE49-F238E27FC236}">
-                <a16:creationId xmlns:a16="http://schemas.microsoft.com/office/drawing/2014/main" id="{E91BA046-F6EA-46A6-9BF2-EAAB7CCB0C03}"/>
+              <a:t>24 to</a:t>
+            </a:r>
+          </a:p>
+          <a:p>
+            <a:r>
+              <a:rPr lang="en-US" dirty="0"/>
+              <a:t>3.3 </a:t>
+            </a:r>
+          </a:p>
+          <a:p>
+            <a:r>
+              <a:rPr lang="en-US" dirty="0"/>
+              <a:t>Switching</a:t>
+            </a:r>
+          </a:p>
+          <a:p>
+            <a:r>
+              <a:rPr lang="en-US" dirty="0"/>
+              <a:t>Regulator</a:t>
+            </a:r>
+          </a:p>
+        </p:txBody>
+      </p:sp>
+      <p:sp>
+        <p:nvSpPr>
+          <p:cNvPr id="9" name="TextBox 8">
+            <a:extLst>
+              <a:ext uri="{FF2B5EF4-FFF2-40B4-BE49-F238E27FC236}">
+                <a16:creationId xmlns:a16="http://schemas.microsoft.com/office/drawing/2014/main" id="{51A43664-43E7-4EA0-80A0-D0A4F6944429}"/>
               </a:ext>
             </a:extLst>
           </p:cNvPr>
@@ -4387,8 +4557,8 @@
         </p:nvSpPr>
         <p:spPr>
           <a:xfrm>
-            <a:off x="5615426" y="2990032"/>
-            <a:ext cx="2109291" cy="646331"/>
+            <a:off x="5609816" y="3085399"/>
+            <a:ext cx="1565137" cy="369332"/>
           </a:xfrm>
           <a:prstGeom prst="rect">
             <a:avLst/>
@@ -4410,23 +4580,56 @@
           <a:p>
             <a:r>
               <a:rPr lang="en-US" dirty="0"/>
-              <a:t>High End Driver</a:t>
-            </a:r>
-          </a:p>
-          <a:p>
-            <a:r>
-              <a:rPr lang="en-US" dirty="0"/>
-              <a:t>PWM Bridge</a:t>
-            </a:r>
-          </a:p>
-        </p:txBody>
-      </p:sp>
-      <p:sp>
-        <p:nvSpPr>
-          <p:cNvPr id="7" name="TextBox 6">
-            <a:extLst>
-              <a:ext uri="{FF2B5EF4-FFF2-40B4-BE49-F238E27FC236}">
-                <a16:creationId xmlns:a16="http://schemas.microsoft.com/office/drawing/2014/main" id="{83422CA6-38AF-4DDB-8A6A-B6A20F532AB6}"/>
+              <a:t>Comparator</a:t>
+            </a:r>
+          </a:p>
+        </p:txBody>
+      </p:sp>
+      <p:cxnSp>
+        <p:nvCxnSpPr>
+          <p:cNvPr id="11" name="Straight Arrow Connector 10">
+            <a:extLst>
+              <a:ext uri="{FF2B5EF4-FFF2-40B4-BE49-F238E27FC236}">
+                <a16:creationId xmlns:a16="http://schemas.microsoft.com/office/drawing/2014/main" id="{5CDADF3E-4F1C-44C4-B9C2-4157E6932B18}"/>
+              </a:ext>
+            </a:extLst>
+          </p:cNvPr>
+          <p:cNvCxnSpPr/>
+          <p:nvPr/>
+        </p:nvCxnSpPr>
+        <p:spPr>
+          <a:xfrm flipH="1">
+            <a:off x="7281541" y="3193187"/>
+            <a:ext cx="942449" cy="43677"/>
+          </a:xfrm>
+          <a:prstGeom prst="straightConnector1">
+            <a:avLst/>
+          </a:prstGeom>
+          <a:ln>
+            <a:tailEnd type="triangle"/>
+          </a:ln>
+        </p:spPr>
+        <p:style>
+          <a:lnRef idx="1">
+            <a:schemeClr val="accent1"/>
+          </a:lnRef>
+          <a:fillRef idx="0">
+            <a:schemeClr val="accent1"/>
+          </a:fillRef>
+          <a:effectRef idx="0">
+            <a:schemeClr val="accent1"/>
+          </a:effectRef>
+          <a:fontRef idx="minor">
+            <a:schemeClr val="tx1"/>
+          </a:fontRef>
+        </p:style>
+      </p:cxnSp>
+      <p:sp>
+        <p:nvSpPr>
+          <p:cNvPr id="12" name="TextBox 11">
+            <a:extLst>
+              <a:ext uri="{FF2B5EF4-FFF2-40B4-BE49-F238E27FC236}">
+                <a16:creationId xmlns:a16="http://schemas.microsoft.com/office/drawing/2014/main" id="{9C0BDFDD-F3DF-435E-86BA-8691B0785EEE}"/>
               </a:ext>
             </a:extLst>
           </p:cNvPr>
@@ -4435,15 +4638,13 @@
         </p:nvSpPr>
         <p:spPr>
           <a:xfrm>
-            <a:off x="4527120" y="3636363"/>
-            <a:ext cx="1279039" cy="923330"/>
+            <a:off x="8424623" y="2775199"/>
+            <a:ext cx="1262208" cy="923330"/>
           </a:xfrm>
           <a:prstGeom prst="rect">
             <a:avLst/>
           </a:prstGeom>
-          <a:solidFill>
-            <a:schemeClr val="bg2"/>
-          </a:solidFill>
+          <a:noFill/>
         </p:spPr>
         <p:txBody>
           <a:bodyPr wrap="square" rtlCol="0">
@@ -4453,44 +4654,37 @@
           <a:p>
             <a:r>
               <a:rPr lang="en-US" dirty="0"/>
-              <a:t>Current </a:t>
-            </a:r>
-          </a:p>
-          <a:p>
-            <a:r>
-              <a:rPr lang="en-US" dirty="0"/>
-              <a:t>Sense</a:t>
-            </a:r>
-          </a:p>
-          <a:p>
-            <a:r>
-              <a:rPr lang="en-US" dirty="0"/>
-              <a:t>Resistors</a:t>
+              <a:t>Sense line from</a:t>
+            </a:r>
+          </a:p>
+          <a:p>
+            <a:r>
+              <a:rPr lang="en-US" dirty="0"/>
+              <a:t>motors</a:t>
             </a:r>
           </a:p>
         </p:txBody>
       </p:sp>
       <p:cxnSp>
         <p:nvCxnSpPr>
-          <p:cNvPr id="9" name="Connector: Elbow 8">
-            <a:extLst>
-              <a:ext uri="{FF2B5EF4-FFF2-40B4-BE49-F238E27FC236}">
-                <a16:creationId xmlns:a16="http://schemas.microsoft.com/office/drawing/2014/main" id="{568E32D1-C4B5-4B7C-B9E5-3EAE5DE20B9F}"/>
+          <p:cNvPr id="14" name="Straight Arrow Connector 13">
+            <a:extLst>
+              <a:ext uri="{FF2B5EF4-FFF2-40B4-BE49-F238E27FC236}">
+                <a16:creationId xmlns:a16="http://schemas.microsoft.com/office/drawing/2014/main" id="{E4FF715A-679E-41C5-BB1E-B48FF50A6CF6}"/>
               </a:ext>
             </a:extLst>
           </p:cNvPr>
           <p:cNvCxnSpPr>
-            <a:cxnSpLocks/>
-            <a:endCxn id="7" idx="0"/>
+            <a:endCxn id="4" idx="1"/>
           </p:cNvCxnSpPr>
           <p:nvPr/>
         </p:nvCxnSpPr>
         <p:spPr>
-          <a:xfrm rot="10800000" flipV="1">
-            <a:off x="5166640" y="3472475"/>
-            <a:ext cx="448786" cy="163888"/>
-          </a:xfrm>
-          <a:prstGeom prst="bentConnector2">
+          <a:xfrm flipV="1">
+            <a:off x="2092461" y="2870022"/>
+            <a:ext cx="471225" cy="215377"/>
+          </a:xfrm>
+          <a:prstGeom prst="straightConnector1">
             <a:avLst/>
           </a:prstGeom>
           <a:ln>
@@ -4514,10 +4708,10 @@
       </p:cxnSp>
       <p:cxnSp>
         <p:nvCxnSpPr>
-          <p:cNvPr id="11" name="Straight Arrow Connector 10">
-            <a:extLst>
-              <a:ext uri="{FF2B5EF4-FFF2-40B4-BE49-F238E27FC236}">
-                <a16:creationId xmlns:a16="http://schemas.microsoft.com/office/drawing/2014/main" id="{9EA54AE1-1094-46B2-B490-16AB905396B5}"/>
+          <p:cNvPr id="18" name="Straight Arrow Connector 17">
+            <a:extLst>
+              <a:ext uri="{FF2B5EF4-FFF2-40B4-BE49-F238E27FC236}">
+                <a16:creationId xmlns:a16="http://schemas.microsoft.com/office/drawing/2014/main" id="{02AD5AE6-B3BF-4F22-83AC-4DB52EAF9BD7}"/>
               </a:ext>
             </a:extLst>
           </p:cNvPr>
@@ -4525,9 +4719,9 @@
           <p:nvPr/>
         </p:nvCxnSpPr>
         <p:spPr>
-          <a:xfrm>
-            <a:off x="7724717" y="3112439"/>
-            <a:ext cx="2614174" cy="0"/>
+          <a:xfrm flipH="1" flipV="1">
+            <a:off x="3943701" y="3085399"/>
+            <a:ext cx="1351965" cy="107788"/>
           </a:xfrm>
           <a:prstGeom prst="straightConnector1">
             <a:avLst/>
@@ -4553,10 +4747,10 @@
       </p:cxnSp>
       <p:cxnSp>
         <p:nvCxnSpPr>
-          <p:cNvPr id="13" name="Straight Arrow Connector 12">
-            <a:extLst>
-              <a:ext uri="{FF2B5EF4-FFF2-40B4-BE49-F238E27FC236}">
-                <a16:creationId xmlns:a16="http://schemas.microsoft.com/office/drawing/2014/main" id="{D4CB6A2F-2CEF-4229-92A2-F61F12C191D0}"/>
+          <p:cNvPr id="20" name="Straight Arrow Connector 19">
+            <a:extLst>
+              <a:ext uri="{FF2B5EF4-FFF2-40B4-BE49-F238E27FC236}">
+                <a16:creationId xmlns:a16="http://schemas.microsoft.com/office/drawing/2014/main" id="{68FD9753-30E3-4F08-A338-B8033635F922}"/>
               </a:ext>
             </a:extLst>
           </p:cNvPr>
@@ -4564,9 +4758,176 @@
           <p:nvPr/>
         </p:nvCxnSpPr>
         <p:spPr>
+          <a:xfrm>
+            <a:off x="3125328" y="5284447"/>
+            <a:ext cx="0" cy="1150012"/>
+          </a:xfrm>
+          <a:prstGeom prst="straightConnector1">
+            <a:avLst/>
+          </a:prstGeom>
+          <a:ln>
+            <a:tailEnd type="triangle"/>
+          </a:ln>
+        </p:spPr>
+        <p:style>
+          <a:lnRef idx="1">
+            <a:schemeClr val="accent1"/>
+          </a:lnRef>
+          <a:fillRef idx="0">
+            <a:schemeClr val="accent1"/>
+          </a:fillRef>
+          <a:effectRef idx="0">
+            <a:schemeClr val="accent1"/>
+          </a:effectRef>
+          <a:fontRef idx="minor">
+            <a:schemeClr val="tx1"/>
+          </a:fontRef>
+        </p:style>
+      </p:cxnSp>
+      <p:sp>
+        <p:nvSpPr>
+          <p:cNvPr id="21" name="Rectangle 20">
+            <a:extLst>
+              <a:ext uri="{FF2B5EF4-FFF2-40B4-BE49-F238E27FC236}">
+                <a16:creationId xmlns:a16="http://schemas.microsoft.com/office/drawing/2014/main" id="{409D514B-BB41-4179-B247-A27DC1F48D20}"/>
+              </a:ext>
+            </a:extLst>
+          </p:cNvPr>
+          <p:cNvSpPr/>
+          <p:nvPr/>
+        </p:nvSpPr>
+        <p:spPr>
+          <a:xfrm>
+            <a:off x="3125328" y="5652490"/>
+            <a:ext cx="2054858" cy="646331"/>
+          </a:xfrm>
+          <a:prstGeom prst="rect">
+            <a:avLst/>
+          </a:prstGeom>
+          <a:noFill/>
+        </p:spPr>
+        <p:txBody>
+          <a:bodyPr wrap="none" lIns="91440" tIns="45720" rIns="91440" bIns="45720">
+            <a:spAutoFit/>
+          </a:bodyPr>
+          <a:lstStyle/>
+          <a:p>
+            <a:pPr algn="ctr"/>
+            <a:r>
+              <a:rPr lang="en-US" sz="3600" b="0" cap="none" spc="0" dirty="0">
+                <a:ln w="0"/>
+                <a:solidFill>
+                  <a:schemeClr val="tx1"/>
+                </a:solidFill>
+                <a:effectLst>
+                  <a:outerShdw blurRad="38100" dist="19050" dir="2700000" algn="tl" rotWithShape="0">
+                    <a:schemeClr val="dk1">
+                      <a:alpha val="40000"/>
+                    </a:schemeClr>
+                  </a:outerShdw>
+                </a:effectLst>
+              </a:rPr>
+              <a:t>To motors</a:t>
+            </a:r>
+          </a:p>
+        </p:txBody>
+      </p:sp>
+      <p:sp>
+        <p:nvSpPr>
+          <p:cNvPr id="22" name="TextBox 21">
+            <a:extLst>
+              <a:ext uri="{FF2B5EF4-FFF2-40B4-BE49-F238E27FC236}">
+                <a16:creationId xmlns:a16="http://schemas.microsoft.com/office/drawing/2014/main" id="{92461CD0-E824-4299-8F8D-71F0142ECC98}"/>
+              </a:ext>
+            </a:extLst>
+          </p:cNvPr>
+          <p:cNvSpPr txBox="1"/>
+          <p:nvPr/>
+        </p:nvSpPr>
+        <p:spPr>
+          <a:xfrm>
+            <a:off x="7472275" y="1284648"/>
+            <a:ext cx="2214556" cy="923330"/>
+          </a:xfrm>
+          <a:prstGeom prst="rect">
+            <a:avLst/>
+          </a:prstGeom>
+          <a:noFill/>
+        </p:spPr>
+        <p:txBody>
+          <a:bodyPr wrap="square" rtlCol="0">
+            <a:spAutoFit/>
+          </a:bodyPr>
+          <a:lstStyle/>
+          <a:p>
+            <a:r>
+              <a:rPr lang="en-US" dirty="0"/>
+              <a:t>Slave would have one command.  Spin motor one cycle</a:t>
+            </a:r>
+          </a:p>
+        </p:txBody>
+      </p:sp>
+      <p:sp>
+        <p:nvSpPr>
+          <p:cNvPr id="23" name="TextBox 22">
+            <a:extLst>
+              <a:ext uri="{FF2B5EF4-FFF2-40B4-BE49-F238E27FC236}">
+                <a16:creationId xmlns:a16="http://schemas.microsoft.com/office/drawing/2014/main" id="{D55BFBCB-C0B0-4B0F-B1BF-30E2D30AF563}"/>
+              </a:ext>
+            </a:extLst>
+          </p:cNvPr>
+          <p:cNvSpPr txBox="1"/>
+          <p:nvPr/>
+        </p:nvSpPr>
+        <p:spPr>
+          <a:xfrm>
+            <a:off x="3408442" y="1270496"/>
+            <a:ext cx="1920883" cy="923330"/>
+          </a:xfrm>
+          <a:prstGeom prst="rect">
+            <a:avLst/>
+          </a:prstGeom>
+          <a:solidFill>
+            <a:schemeClr val="bg2"/>
+          </a:solidFill>
+          <a:ln>
+            <a:solidFill>
+              <a:schemeClr val="tx1"/>
+            </a:solidFill>
+          </a:ln>
+        </p:spPr>
+        <p:txBody>
+          <a:bodyPr wrap="square" rtlCol="0">
+            <a:spAutoFit/>
+          </a:bodyPr>
+          <a:lstStyle/>
+          <a:p>
+            <a:r>
+              <a:rPr lang="en-US" dirty="0"/>
+              <a:t>Pins to identify Vending Machine Row</a:t>
+            </a:r>
+          </a:p>
+        </p:txBody>
+      </p:sp>
+      <p:cxnSp>
+        <p:nvCxnSpPr>
+          <p:cNvPr id="25" name="Straight Arrow Connector 24">
+            <a:extLst>
+              <a:ext uri="{FF2B5EF4-FFF2-40B4-BE49-F238E27FC236}">
+                <a16:creationId xmlns:a16="http://schemas.microsoft.com/office/drawing/2014/main" id="{F9E432D9-FDBC-4B62-8243-A959D201173F}"/>
+              </a:ext>
+            </a:extLst>
+          </p:cNvPr>
+          <p:cNvCxnSpPr>
+            <a:cxnSpLocks/>
+            <a:endCxn id="4" idx="0"/>
+          </p:cNvCxnSpPr>
+          <p:nvPr/>
+        </p:nvCxnSpPr>
+        <p:spPr>
           <a:xfrm flipH="1">
-            <a:off x="7724717" y="3587113"/>
-            <a:ext cx="2821738" cy="0"/>
+            <a:off x="3685649" y="2281651"/>
+            <a:ext cx="258052" cy="265205"/>
           </a:xfrm>
           <a:prstGeom prst="straightConnector1">
             <a:avLst/>
@@ -4592,10 +4953,10 @@
       </p:cxnSp>
       <p:cxnSp>
         <p:nvCxnSpPr>
-          <p:cNvPr id="15" name="Straight Arrow Connector 14">
-            <a:extLst>
-              <a:ext uri="{FF2B5EF4-FFF2-40B4-BE49-F238E27FC236}">
-                <a16:creationId xmlns:a16="http://schemas.microsoft.com/office/drawing/2014/main" id="{16294AF2-1AA9-48BD-868C-F0E16BCD1FAD}"/>
+          <p:cNvPr id="10" name="Straight Connector 9">
+            <a:extLst>
+              <a:ext uri="{FF2B5EF4-FFF2-40B4-BE49-F238E27FC236}">
+                <a16:creationId xmlns:a16="http://schemas.microsoft.com/office/drawing/2014/main" id="{74C83541-664E-4351-AEC2-30CE21946A83}"/>
               </a:ext>
             </a:extLst>
           </p:cNvPr>
@@ -4603,16 +4964,13 @@
           <p:nvPr/>
         </p:nvCxnSpPr>
         <p:spPr>
-          <a:xfrm>
-            <a:off x="3680039" y="3197595"/>
-            <a:ext cx="1800751" cy="0"/>
-          </a:xfrm>
-          <a:prstGeom prst="straightConnector1">
-            <a:avLst/>
-          </a:prstGeom>
-          <a:ln>
-            <a:tailEnd type="triangle"/>
-          </a:ln>
+          <a:xfrm flipV="1">
+            <a:off x="4256116" y="1945178"/>
+            <a:ext cx="2388524" cy="725978"/>
+          </a:xfrm>
+          <a:prstGeom prst="line">
+            <a:avLst/>
+          </a:prstGeom>
         </p:spPr>
         <p:style>
           <a:lnRef idx="1">
@@ -4631,10 +4989,10 @@
       </p:cxnSp>
       <p:cxnSp>
         <p:nvCxnSpPr>
-          <p:cNvPr id="17" name="Straight Arrow Connector 16">
-            <a:extLst>
-              <a:ext uri="{FF2B5EF4-FFF2-40B4-BE49-F238E27FC236}">
-                <a16:creationId xmlns:a16="http://schemas.microsoft.com/office/drawing/2014/main" id="{6C48E071-1B59-4876-9798-1924856EAFC1}"/>
+          <p:cNvPr id="15" name="Straight Connector 14">
+            <a:extLst>
+              <a:ext uri="{FF2B5EF4-FFF2-40B4-BE49-F238E27FC236}">
+                <a16:creationId xmlns:a16="http://schemas.microsoft.com/office/drawing/2014/main" id="{AB50B114-9CCB-495A-A4D9-223D2125BA43}"/>
               </a:ext>
             </a:extLst>
           </p:cNvPr>
@@ -4642,16 +5000,13 @@
           <p:nvPr/>
         </p:nvCxnSpPr>
         <p:spPr>
-          <a:xfrm flipH="1" flipV="1">
-            <a:off x="3657600" y="3692461"/>
-            <a:ext cx="746106" cy="514901"/>
-          </a:xfrm>
-          <a:prstGeom prst="straightConnector1">
-            <a:avLst/>
-          </a:prstGeom>
-          <a:ln>
-            <a:tailEnd type="triangle"/>
-          </a:ln>
+          <a:xfrm flipV="1">
+            <a:off x="6650182" y="831273"/>
+            <a:ext cx="44334" cy="1086196"/>
+          </a:xfrm>
+          <a:prstGeom prst="line">
+            <a:avLst/>
+          </a:prstGeom>
         </p:spPr>
         <p:style>
           <a:lnRef idx="1">
@@ -4670,10 +5025,10 @@
       </p:cxnSp>
       <p:sp>
         <p:nvSpPr>
-          <p:cNvPr id="18" name="TextBox 17">
-            <a:extLst>
-              <a:ext uri="{FF2B5EF4-FFF2-40B4-BE49-F238E27FC236}">
-                <a16:creationId xmlns:a16="http://schemas.microsoft.com/office/drawing/2014/main" id="{1748A368-BB4D-4354-B16F-0FA8D3589BF3}"/>
+          <p:cNvPr id="16" name="TextBox 15">
+            <a:extLst>
+              <a:ext uri="{FF2B5EF4-FFF2-40B4-BE49-F238E27FC236}">
+                <a16:creationId xmlns:a16="http://schemas.microsoft.com/office/drawing/2014/main" id="{554AB9F1-B25A-43D4-87AE-DCB9962FF3DD}"/>
               </a:ext>
             </a:extLst>
           </p:cNvPr>
@@ -4682,43 +5037,8 @@
         </p:nvSpPr>
         <p:spPr>
           <a:xfrm>
-            <a:off x="8465576" y="2084663"/>
-            <a:ext cx="1641332" cy="646331"/>
-          </a:xfrm>
-          <a:prstGeom prst="rect">
-            <a:avLst/>
-          </a:prstGeom>
-          <a:noFill/>
-        </p:spPr>
-        <p:txBody>
-          <a:bodyPr wrap="square" rtlCol="0">
-            <a:spAutoFit/>
-          </a:bodyPr>
-          <a:lstStyle/>
-          <a:p>
-            <a:r>
-              <a:rPr lang="en-US" dirty="0"/>
-              <a:t>High Side Motor Drive</a:t>
-            </a:r>
-          </a:p>
-        </p:txBody>
-      </p:sp>
-      <p:sp>
-        <p:nvSpPr>
-          <p:cNvPr id="19" name="TextBox 18">
-            <a:extLst>
-              <a:ext uri="{FF2B5EF4-FFF2-40B4-BE49-F238E27FC236}">
-                <a16:creationId xmlns:a16="http://schemas.microsoft.com/office/drawing/2014/main" id="{A16C0FE5-BBA5-4455-A480-443E15AD0618}"/>
-              </a:ext>
-            </a:extLst>
-          </p:cNvPr>
-          <p:cNvSpPr txBox="1"/>
-          <p:nvPr/>
-        </p:nvSpPr>
-        <p:spPr>
-          <a:xfrm>
-            <a:off x="8167891" y="3901710"/>
-            <a:ext cx="2236703" cy="369332"/>
+            <a:off x="5558630" y="2256262"/>
+            <a:ext cx="1667508" cy="646331"/>
           </a:xfrm>
           <a:prstGeom prst="rect">
             <a:avLst/>
@@ -4733,66 +5053,13 @@
           <a:p>
             <a:r>
               <a:rPr lang="en-US" dirty="0"/>
-              <a:t>Motor Return Current</a:t>
-            </a:r>
-          </a:p>
-        </p:txBody>
-      </p:sp>
-      <p:sp>
-        <p:nvSpPr>
-          <p:cNvPr id="20" name="TextBox 19">
-            <a:extLst>
-              <a:ext uri="{FF2B5EF4-FFF2-40B4-BE49-F238E27FC236}">
-                <a16:creationId xmlns:a16="http://schemas.microsoft.com/office/drawing/2014/main" id="{B4EFF1AD-1D6B-4EAD-9FB8-2241F90862EA}"/>
-              </a:ext>
-            </a:extLst>
-          </p:cNvPr>
-          <p:cNvSpPr txBox="1"/>
-          <p:nvPr/>
-        </p:nvSpPr>
-        <p:spPr>
-          <a:xfrm>
-            <a:off x="2776859" y="4029164"/>
-            <a:ext cx="1012008" cy="1477328"/>
-          </a:xfrm>
-          <a:prstGeom prst="rect">
-            <a:avLst/>
-          </a:prstGeom>
-          <a:noFill/>
-        </p:spPr>
-        <p:txBody>
-          <a:bodyPr wrap="none" rtlCol="0">
-            <a:spAutoFit/>
-          </a:bodyPr>
-          <a:lstStyle/>
-          <a:p>
-            <a:r>
-              <a:rPr lang="en-US" dirty="0"/>
-              <a:t>Measure</a:t>
-            </a:r>
-          </a:p>
-          <a:p>
-            <a:r>
-              <a:rPr lang="en-US" dirty="0"/>
-              <a:t>Vending</a:t>
-            </a:r>
-          </a:p>
-          <a:p>
-            <a:r>
-              <a:rPr lang="en-US" dirty="0"/>
-              <a:t>Machine</a:t>
-            </a:r>
-          </a:p>
-          <a:p>
-            <a:r>
-              <a:rPr lang="en-US" dirty="0"/>
-              <a:t>Motor</a:t>
-            </a:r>
-          </a:p>
-          <a:p>
-            <a:r>
-              <a:rPr lang="en-US" dirty="0"/>
-              <a:t>Current</a:t>
+              <a:t>BLE Commands</a:t>
+            </a:r>
+          </a:p>
+          <a:p>
+            <a:r>
+              <a:rPr lang="en-US" dirty="0"/>
+              <a:t>From Controller</a:t>
             </a:r>
           </a:p>
         </p:txBody>
@@ -4800,7 +5067,7 @@
     </p:spTree>
     <p:extLst>
       <p:ext uri="{BB962C8B-B14F-4D97-AF65-F5344CB8AC3E}">
-        <p14:creationId xmlns:p14="http://schemas.microsoft.com/office/powerpoint/2010/main" val="4272178738"/>
+        <p14:creationId xmlns:p14="http://schemas.microsoft.com/office/powerpoint/2010/main" val="1526197645"/>
       </p:ext>
     </p:extLst>
   </p:cSld>
@@ -4972,7 +5239,12 @@
             <p:ph type="title"/>
           </p:nvPr>
         </p:nvSpPr>
-        <p:spPr/>
+        <p:spPr>
+          <a:xfrm>
+            <a:off x="838200" y="365125"/>
+            <a:ext cx="10515600" cy="824131"/>
+          </a:xfrm>
+        </p:spPr>
         <p:txBody>
           <a:bodyPr/>
           <a:lstStyle/>
@@ -4984,304 +5256,6 @@
           </a:p>
         </p:txBody>
       </p:sp>
-      <p:sp>
-        <p:nvSpPr>
-          <p:cNvPr id="4" name="Rectangle 3">
-            <a:extLst>
-              <a:ext uri="{FF2B5EF4-FFF2-40B4-BE49-F238E27FC236}">
-                <a16:creationId xmlns:a16="http://schemas.microsoft.com/office/drawing/2014/main" id="{A80EF3FE-342B-40E0-9CEA-1A5A7D02C768}"/>
-              </a:ext>
-            </a:extLst>
-          </p:cNvPr>
-          <p:cNvSpPr/>
-          <p:nvPr/>
-        </p:nvSpPr>
-        <p:spPr>
-          <a:xfrm>
-            <a:off x="2407444" y="1690688"/>
-            <a:ext cx="3893344" cy="1388268"/>
-          </a:xfrm>
-          <a:prstGeom prst="rect">
-            <a:avLst/>
-          </a:prstGeom>
-          <a:solidFill>
-            <a:schemeClr val="bg2"/>
-          </a:solidFill>
-        </p:spPr>
-        <p:style>
-          <a:lnRef idx="2">
-            <a:schemeClr val="accent1">
-              <a:shade val="50000"/>
-            </a:schemeClr>
-          </a:lnRef>
-          <a:fillRef idx="1">
-            <a:schemeClr val="accent1"/>
-          </a:fillRef>
-          <a:effectRef idx="0">
-            <a:schemeClr val="accent1"/>
-          </a:effectRef>
-          <a:fontRef idx="minor">
-            <a:schemeClr val="lt1"/>
-          </a:fontRef>
-        </p:style>
-        <p:txBody>
-          <a:bodyPr rtlCol="0" anchor="ctr"/>
-          <a:lstStyle/>
-          <a:p>
-            <a:pPr algn="ctr"/>
-            <a:endParaRPr lang="en-US"/>
-          </a:p>
-        </p:txBody>
-      </p:sp>
-      <p:sp>
-        <p:nvSpPr>
-          <p:cNvPr id="5" name="Rectangle 4">
-            <a:extLst>
-              <a:ext uri="{FF2B5EF4-FFF2-40B4-BE49-F238E27FC236}">
-                <a16:creationId xmlns:a16="http://schemas.microsoft.com/office/drawing/2014/main" id="{BF8A1A00-0D74-4E77-A86B-64BF3B37B4BD}"/>
-              </a:ext>
-            </a:extLst>
-          </p:cNvPr>
-          <p:cNvSpPr/>
-          <p:nvPr/>
-        </p:nvSpPr>
-        <p:spPr>
-          <a:xfrm>
-            <a:off x="3514725" y="1893094"/>
-            <a:ext cx="592931" cy="850106"/>
-          </a:xfrm>
-          <a:prstGeom prst="rect">
-            <a:avLst/>
-          </a:prstGeom>
-        </p:spPr>
-        <p:style>
-          <a:lnRef idx="2">
-            <a:schemeClr val="accent1">
-              <a:shade val="50000"/>
-            </a:schemeClr>
-          </a:lnRef>
-          <a:fillRef idx="1">
-            <a:schemeClr val="accent1"/>
-          </a:fillRef>
-          <a:effectRef idx="0">
-            <a:schemeClr val="accent1"/>
-          </a:effectRef>
-          <a:fontRef idx="minor">
-            <a:schemeClr val="lt1"/>
-          </a:fontRef>
-        </p:style>
-        <p:txBody>
-          <a:bodyPr rtlCol="0" anchor="ctr"/>
-          <a:lstStyle/>
-          <a:p>
-            <a:pPr algn="ctr"/>
-            <a:endParaRPr lang="en-US"/>
-          </a:p>
-        </p:txBody>
-      </p:sp>
-      <p:sp>
-        <p:nvSpPr>
-          <p:cNvPr id="6" name="Rectangle 5">
-            <a:extLst>
-              <a:ext uri="{FF2B5EF4-FFF2-40B4-BE49-F238E27FC236}">
-                <a16:creationId xmlns:a16="http://schemas.microsoft.com/office/drawing/2014/main" id="{DE3BE21A-C64C-4758-82BA-56BDCBAB380A}"/>
-              </a:ext>
-            </a:extLst>
-          </p:cNvPr>
-          <p:cNvSpPr/>
-          <p:nvPr/>
-        </p:nvSpPr>
-        <p:spPr>
-          <a:xfrm>
-            <a:off x="2500313" y="3907631"/>
-            <a:ext cx="3893344" cy="1150144"/>
-          </a:xfrm>
-          <a:prstGeom prst="rect">
-            <a:avLst/>
-          </a:prstGeom>
-          <a:solidFill>
-            <a:schemeClr val="bg2"/>
-          </a:solidFill>
-        </p:spPr>
-        <p:style>
-          <a:lnRef idx="2">
-            <a:schemeClr val="accent1">
-              <a:shade val="50000"/>
-            </a:schemeClr>
-          </a:lnRef>
-          <a:fillRef idx="1">
-            <a:schemeClr val="accent1"/>
-          </a:fillRef>
-          <a:effectRef idx="0">
-            <a:schemeClr val="accent1"/>
-          </a:effectRef>
-          <a:fontRef idx="minor">
-            <a:schemeClr val="lt1"/>
-          </a:fontRef>
-        </p:style>
-        <p:txBody>
-          <a:bodyPr rtlCol="0" anchor="ctr"/>
-          <a:lstStyle/>
-          <a:p>
-            <a:pPr algn="ctr"/>
-            <a:endParaRPr lang="en-US"/>
-          </a:p>
-        </p:txBody>
-      </p:sp>
-      <p:sp>
-        <p:nvSpPr>
-          <p:cNvPr id="7" name="TextBox 6">
-            <a:extLst>
-              <a:ext uri="{FF2B5EF4-FFF2-40B4-BE49-F238E27FC236}">
-                <a16:creationId xmlns:a16="http://schemas.microsoft.com/office/drawing/2014/main" id="{4673C166-8C8D-41FF-A187-057C5F4346C1}"/>
-              </a:ext>
-            </a:extLst>
-          </p:cNvPr>
-          <p:cNvSpPr txBox="1"/>
-          <p:nvPr/>
-        </p:nvSpPr>
-        <p:spPr>
-          <a:xfrm>
-            <a:off x="6707981" y="1893094"/>
-            <a:ext cx="3143250" cy="369332"/>
-          </a:xfrm>
-          <a:prstGeom prst="rect">
-            <a:avLst/>
-          </a:prstGeom>
-          <a:noFill/>
-        </p:spPr>
-        <p:txBody>
-          <a:bodyPr wrap="square" rtlCol="0">
-            <a:spAutoFit/>
-          </a:bodyPr>
-          <a:lstStyle/>
-          <a:p>
-            <a:r>
-              <a:rPr lang="en-US" dirty="0"/>
-              <a:t>Raspberry PI</a:t>
-            </a:r>
-          </a:p>
-        </p:txBody>
-      </p:sp>
-      <p:sp>
-        <p:nvSpPr>
-          <p:cNvPr id="8" name="TextBox 7">
-            <a:extLst>
-              <a:ext uri="{FF2B5EF4-FFF2-40B4-BE49-F238E27FC236}">
-                <a16:creationId xmlns:a16="http://schemas.microsoft.com/office/drawing/2014/main" id="{5D8FB42B-E839-459D-907F-73380E057D4E}"/>
-              </a:ext>
-            </a:extLst>
-          </p:cNvPr>
-          <p:cNvSpPr txBox="1"/>
-          <p:nvPr/>
-        </p:nvSpPr>
-        <p:spPr>
-          <a:xfrm>
-            <a:off x="135731" y="2157413"/>
-            <a:ext cx="1464469" cy="369332"/>
-          </a:xfrm>
-          <a:prstGeom prst="rect">
-            <a:avLst/>
-          </a:prstGeom>
-          <a:noFill/>
-        </p:spPr>
-        <p:txBody>
-          <a:bodyPr wrap="square" rtlCol="0">
-            <a:spAutoFit/>
-          </a:bodyPr>
-          <a:lstStyle/>
-          <a:p>
-            <a:r>
-              <a:rPr lang="en-US" dirty="0" err="1"/>
-              <a:t>Redis</a:t>
-            </a:r>
-            <a:r>
-              <a:rPr lang="en-US" dirty="0"/>
-              <a:t> DB</a:t>
-            </a:r>
-          </a:p>
-        </p:txBody>
-      </p:sp>
-      <p:cxnSp>
-        <p:nvCxnSpPr>
-          <p:cNvPr id="10" name="Straight Arrow Connector 9">
-            <a:extLst>
-              <a:ext uri="{FF2B5EF4-FFF2-40B4-BE49-F238E27FC236}">
-                <a16:creationId xmlns:a16="http://schemas.microsoft.com/office/drawing/2014/main" id="{150A0E8C-640D-41E6-94C9-1F826984AB94}"/>
-              </a:ext>
-            </a:extLst>
-          </p:cNvPr>
-          <p:cNvCxnSpPr>
-            <a:endCxn id="5" idx="2"/>
-          </p:cNvCxnSpPr>
-          <p:nvPr/>
-        </p:nvCxnSpPr>
-        <p:spPr>
-          <a:xfrm flipV="1">
-            <a:off x="3514725" y="2743200"/>
-            <a:ext cx="296466" cy="1164431"/>
-          </a:xfrm>
-          <a:prstGeom prst="straightConnector1">
-            <a:avLst/>
-          </a:prstGeom>
-          <a:ln>
-            <a:tailEnd type="triangle"/>
-          </a:ln>
-        </p:spPr>
-        <p:style>
-          <a:lnRef idx="1">
-            <a:schemeClr val="accent1"/>
-          </a:lnRef>
-          <a:fillRef idx="0">
-            <a:schemeClr val="accent1"/>
-          </a:fillRef>
-          <a:effectRef idx="0">
-            <a:schemeClr val="accent1"/>
-          </a:effectRef>
-          <a:fontRef idx="minor">
-            <a:schemeClr val="tx1"/>
-          </a:fontRef>
-        </p:style>
-      </p:cxnSp>
-      <p:cxnSp>
-        <p:nvCxnSpPr>
-          <p:cNvPr id="12" name="Straight Arrow Connector 11">
-            <a:extLst>
-              <a:ext uri="{FF2B5EF4-FFF2-40B4-BE49-F238E27FC236}">
-                <a16:creationId xmlns:a16="http://schemas.microsoft.com/office/drawing/2014/main" id="{7574666C-1686-496D-9C19-F20AC6368C83}"/>
-              </a:ext>
-            </a:extLst>
-          </p:cNvPr>
-          <p:cNvCxnSpPr/>
-          <p:nvPr/>
-        </p:nvCxnSpPr>
-        <p:spPr>
-          <a:xfrm flipH="1">
-            <a:off x="3218260" y="2743200"/>
-            <a:ext cx="296465" cy="1150144"/>
-          </a:xfrm>
-          <a:prstGeom prst="straightConnector1">
-            <a:avLst/>
-          </a:prstGeom>
-          <a:ln>
-            <a:tailEnd type="triangle"/>
-          </a:ln>
-        </p:spPr>
-        <p:style>
-          <a:lnRef idx="1">
-            <a:schemeClr val="accent1"/>
-          </a:lnRef>
-          <a:fillRef idx="0">
-            <a:schemeClr val="accent1"/>
-          </a:fillRef>
-          <a:effectRef idx="0">
-            <a:schemeClr val="accent1"/>
-          </a:effectRef>
-          <a:fontRef idx="minor">
-            <a:schemeClr val="tx1"/>
-          </a:fontRef>
-        </p:style>
-      </p:cxnSp>
       <p:sp>
         <p:nvSpPr>
           <p:cNvPr id="13" name="Rectangle 12">
@@ -5539,10 +5513,10 @@
       </p:cxnSp>
       <p:sp>
         <p:nvSpPr>
-          <p:cNvPr id="22" name="TextBox 21">
-            <a:extLst>
-              <a:ext uri="{FF2B5EF4-FFF2-40B4-BE49-F238E27FC236}">
-                <a16:creationId xmlns:a16="http://schemas.microsoft.com/office/drawing/2014/main" id="{75C6C6F5-CF2D-4DF6-86B4-98932DE11934}"/>
+          <p:cNvPr id="23" name="TextBox 22">
+            <a:extLst>
+              <a:ext uri="{FF2B5EF4-FFF2-40B4-BE49-F238E27FC236}">
+                <a16:creationId xmlns:a16="http://schemas.microsoft.com/office/drawing/2014/main" id="{3F51A0D8-79E1-4EB4-85D8-FA942AD2E65F}"/>
               </a:ext>
             </a:extLst>
           </p:cNvPr>
@@ -5551,8 +5525,8 @@
         </p:nvSpPr>
         <p:spPr>
           <a:xfrm>
-            <a:off x="6865145" y="3900487"/>
-            <a:ext cx="2471736" cy="646331"/>
+            <a:off x="7493794" y="5993606"/>
+            <a:ext cx="1771650" cy="369332"/>
           </a:xfrm>
           <a:prstGeom prst="rect">
             <a:avLst/>
@@ -5567,17 +5541,17 @@
           <a:p>
             <a:r>
               <a:rPr lang="en-US" dirty="0"/>
-              <a:t>Vending Machine Controller ESP32</a:t>
-            </a:r>
-          </a:p>
-        </p:txBody>
-      </p:sp>
-      <p:sp>
-        <p:nvSpPr>
-          <p:cNvPr id="23" name="TextBox 22">
-            <a:extLst>
-              <a:ext uri="{FF2B5EF4-FFF2-40B4-BE49-F238E27FC236}">
-                <a16:creationId xmlns:a16="http://schemas.microsoft.com/office/drawing/2014/main" id="{3F51A0D8-79E1-4EB4-85D8-FA942AD2E65F}"/>
+              <a:t>Slave Modules</a:t>
+            </a:r>
+          </a:p>
+        </p:txBody>
+      </p:sp>
+      <p:sp>
+        <p:nvSpPr>
+          <p:cNvPr id="28" name="TextBox 27">
+            <a:extLst>
+              <a:ext uri="{FF2B5EF4-FFF2-40B4-BE49-F238E27FC236}">
+                <a16:creationId xmlns:a16="http://schemas.microsoft.com/office/drawing/2014/main" id="{672E299F-BC81-4CED-BC5E-48386D3964F2}"/>
               </a:ext>
             </a:extLst>
           </p:cNvPr>
@@ -5586,13 +5560,20 @@
         </p:nvSpPr>
         <p:spPr>
           <a:xfrm>
-            <a:off x="7493794" y="5993606"/>
-            <a:ext cx="1771650" cy="369332"/>
+            <a:off x="9896717" y="2159793"/>
+            <a:ext cx="760208" cy="646331"/>
           </a:xfrm>
           <a:prstGeom prst="rect">
             <a:avLst/>
           </a:prstGeom>
-          <a:noFill/>
+          <a:solidFill>
+            <a:schemeClr val="bg2"/>
+          </a:solidFill>
+          <a:ln>
+            <a:solidFill>
+              <a:schemeClr val="tx1"/>
+            </a:solidFill>
+          </a:ln>
         </p:spPr>
         <p:txBody>
           <a:bodyPr wrap="square" rtlCol="0">
@@ -5602,7 +5583,838 @@
           <a:p>
             <a:r>
               <a:rPr lang="en-US" dirty="0"/>
-              <a:t>Slave Modules</a:t>
+              <a:t>Graph</a:t>
+            </a:r>
+          </a:p>
+          <a:p>
+            <a:r>
+              <a:rPr lang="en-US" dirty="0"/>
+              <a:t>DB</a:t>
+            </a:r>
+          </a:p>
+        </p:txBody>
+      </p:sp>
+      <p:sp>
+        <p:nvSpPr>
+          <p:cNvPr id="30" name="TextBox 29">
+            <a:extLst>
+              <a:ext uri="{FF2B5EF4-FFF2-40B4-BE49-F238E27FC236}">
+                <a16:creationId xmlns:a16="http://schemas.microsoft.com/office/drawing/2014/main" id="{03C95902-6B4C-4FDF-B594-7221093357FA}"/>
+              </a:ext>
+            </a:extLst>
+          </p:cNvPr>
+          <p:cNvSpPr txBox="1"/>
+          <p:nvPr/>
+        </p:nvSpPr>
+        <p:spPr>
+          <a:xfrm>
+            <a:off x="8101013" y="2130533"/>
+            <a:ext cx="937563" cy="646331"/>
+          </a:xfrm>
+          <a:prstGeom prst="rect">
+            <a:avLst/>
+          </a:prstGeom>
+          <a:solidFill>
+            <a:schemeClr val="bg2"/>
+          </a:solidFill>
+          <a:ln>
+            <a:solidFill>
+              <a:schemeClr val="tx1"/>
+            </a:solidFill>
+          </a:ln>
+        </p:spPr>
+        <p:txBody>
+          <a:bodyPr wrap="square" rtlCol="0">
+            <a:spAutoFit/>
+          </a:bodyPr>
+          <a:lstStyle/>
+          <a:p>
+            <a:r>
+              <a:rPr lang="en-US" dirty="0"/>
+              <a:t>Job Stream</a:t>
+            </a:r>
+          </a:p>
+        </p:txBody>
+      </p:sp>
+      <p:sp>
+        <p:nvSpPr>
+          <p:cNvPr id="31" name="TextBox 30">
+            <a:extLst>
+              <a:ext uri="{FF2B5EF4-FFF2-40B4-BE49-F238E27FC236}">
+                <a16:creationId xmlns:a16="http://schemas.microsoft.com/office/drawing/2014/main" id="{AFF16C71-6052-42B2-B5B0-3D44D8AC0F6F}"/>
+              </a:ext>
+            </a:extLst>
+          </p:cNvPr>
+          <p:cNvSpPr txBox="1"/>
+          <p:nvPr/>
+        </p:nvSpPr>
+        <p:spPr>
+          <a:xfrm>
+            <a:off x="6708130" y="2130533"/>
+            <a:ext cx="785664" cy="923330"/>
+          </a:xfrm>
+          <a:prstGeom prst="rect">
+            <a:avLst/>
+          </a:prstGeom>
+          <a:solidFill>
+            <a:schemeClr val="bg2"/>
+          </a:solidFill>
+          <a:ln>
+            <a:solidFill>
+              <a:schemeClr val="tx1"/>
+            </a:solidFill>
+          </a:ln>
+        </p:spPr>
+        <p:txBody>
+          <a:bodyPr wrap="square" rtlCol="0">
+            <a:spAutoFit/>
+          </a:bodyPr>
+          <a:lstStyle/>
+          <a:p>
+            <a:r>
+              <a:rPr lang="en-US" dirty="0"/>
+              <a:t>RPC</a:t>
+            </a:r>
+          </a:p>
+          <a:p>
+            <a:r>
+              <a:rPr lang="en-US" dirty="0"/>
+              <a:t>Server</a:t>
+            </a:r>
+          </a:p>
+          <a:p>
+            <a:endParaRPr lang="en-US" dirty="0"/>
+          </a:p>
+        </p:txBody>
+      </p:sp>
+      <p:sp>
+        <p:nvSpPr>
+          <p:cNvPr id="32" name="TextBox 31">
+            <a:extLst>
+              <a:ext uri="{FF2B5EF4-FFF2-40B4-BE49-F238E27FC236}">
+                <a16:creationId xmlns:a16="http://schemas.microsoft.com/office/drawing/2014/main" id="{45A73B05-67CE-4804-8D1E-0773B4606E28}"/>
+              </a:ext>
+            </a:extLst>
+          </p:cNvPr>
+          <p:cNvSpPr txBox="1"/>
+          <p:nvPr/>
+        </p:nvSpPr>
+        <p:spPr>
+          <a:xfrm>
+            <a:off x="4550828" y="2130532"/>
+            <a:ext cx="1014153" cy="646331"/>
+          </a:xfrm>
+          <a:prstGeom prst="rect">
+            <a:avLst/>
+          </a:prstGeom>
+          <a:solidFill>
+            <a:schemeClr val="bg2"/>
+          </a:solidFill>
+          <a:ln>
+            <a:solidFill>
+              <a:schemeClr val="tx1"/>
+            </a:solidFill>
+          </a:ln>
+        </p:spPr>
+        <p:txBody>
+          <a:bodyPr wrap="square" rtlCol="0">
+            <a:spAutoFit/>
+          </a:bodyPr>
+          <a:lstStyle/>
+          <a:p>
+            <a:r>
+              <a:rPr lang="en-US" dirty="0"/>
+              <a:t>Current</a:t>
+            </a:r>
+          </a:p>
+          <a:p>
+            <a:r>
+              <a:rPr lang="en-US" dirty="0"/>
+              <a:t>Logs</a:t>
+            </a:r>
+          </a:p>
+        </p:txBody>
+      </p:sp>
+      <p:sp>
+        <p:nvSpPr>
+          <p:cNvPr id="33" name="TextBox 32">
+            <a:extLst>
+              <a:ext uri="{FF2B5EF4-FFF2-40B4-BE49-F238E27FC236}">
+                <a16:creationId xmlns:a16="http://schemas.microsoft.com/office/drawing/2014/main" id="{0F98C10D-2B30-4181-B1BA-5359899B6CF6}"/>
+              </a:ext>
+            </a:extLst>
+          </p:cNvPr>
+          <p:cNvSpPr txBox="1"/>
+          <p:nvPr/>
+        </p:nvSpPr>
+        <p:spPr>
+          <a:xfrm>
+            <a:off x="2550077" y="2136663"/>
+            <a:ext cx="1291980" cy="646331"/>
+          </a:xfrm>
+          <a:prstGeom prst="rect">
+            <a:avLst/>
+          </a:prstGeom>
+          <a:solidFill>
+            <a:schemeClr val="bg2"/>
+          </a:solidFill>
+          <a:ln>
+            <a:solidFill>
+              <a:schemeClr val="tx1"/>
+            </a:solidFill>
+          </a:ln>
+        </p:spPr>
+        <p:txBody>
+          <a:bodyPr wrap="square" rtlCol="0">
+            <a:spAutoFit/>
+          </a:bodyPr>
+          <a:lstStyle/>
+          <a:p>
+            <a:r>
+              <a:rPr lang="en-US" dirty="0"/>
+              <a:t>Status</a:t>
+            </a:r>
+          </a:p>
+          <a:p>
+            <a:r>
+              <a:rPr lang="en-US" dirty="0"/>
+              <a:t>Information</a:t>
+            </a:r>
+          </a:p>
+        </p:txBody>
+      </p:sp>
+      <p:sp>
+        <p:nvSpPr>
+          <p:cNvPr id="34" name="TextBox 33">
+            <a:extLst>
+              <a:ext uri="{FF2B5EF4-FFF2-40B4-BE49-F238E27FC236}">
+                <a16:creationId xmlns:a16="http://schemas.microsoft.com/office/drawing/2014/main" id="{177796ED-4412-4359-AF77-F70AFC156E2A}"/>
+              </a:ext>
+            </a:extLst>
+          </p:cNvPr>
+          <p:cNvSpPr txBox="1"/>
+          <p:nvPr/>
+        </p:nvSpPr>
+        <p:spPr>
+          <a:xfrm>
+            <a:off x="1281780" y="2159793"/>
+            <a:ext cx="643125" cy="646331"/>
+          </a:xfrm>
+          <a:prstGeom prst="rect">
+            <a:avLst/>
+          </a:prstGeom>
+          <a:solidFill>
+            <a:schemeClr val="bg2"/>
+          </a:solidFill>
+          <a:ln>
+            <a:solidFill>
+              <a:schemeClr val="tx1"/>
+            </a:solidFill>
+          </a:ln>
+        </p:spPr>
+        <p:txBody>
+          <a:bodyPr wrap="none" rtlCol="0">
+            <a:spAutoFit/>
+          </a:bodyPr>
+          <a:lstStyle/>
+          <a:p>
+            <a:r>
+              <a:rPr lang="en-US" dirty="0"/>
+              <a:t>Alert</a:t>
+            </a:r>
+          </a:p>
+          <a:p>
+            <a:r>
+              <a:rPr lang="en-US" dirty="0"/>
+              <a:t>Logs</a:t>
+            </a:r>
+          </a:p>
+        </p:txBody>
+      </p:sp>
+      <p:sp>
+        <p:nvSpPr>
+          <p:cNvPr id="35" name="Rectangle 34">
+            <a:extLst>
+              <a:ext uri="{FF2B5EF4-FFF2-40B4-BE49-F238E27FC236}">
+                <a16:creationId xmlns:a16="http://schemas.microsoft.com/office/drawing/2014/main" id="{898CF303-B76A-41F2-839C-058A9A1F94FF}"/>
+              </a:ext>
+            </a:extLst>
+          </p:cNvPr>
+          <p:cNvSpPr/>
+          <p:nvPr/>
+        </p:nvSpPr>
+        <p:spPr>
+          <a:xfrm>
+            <a:off x="500063" y="1750219"/>
+            <a:ext cx="10679906" cy="1614487"/>
+          </a:xfrm>
+          <a:prstGeom prst="rect">
+            <a:avLst/>
+          </a:prstGeom>
+          <a:noFill/>
+        </p:spPr>
+        <p:style>
+          <a:lnRef idx="2">
+            <a:schemeClr val="accent1">
+              <a:shade val="50000"/>
+            </a:schemeClr>
+          </a:lnRef>
+          <a:fillRef idx="1">
+            <a:schemeClr val="accent1"/>
+          </a:fillRef>
+          <a:effectRef idx="0">
+            <a:schemeClr val="accent1"/>
+          </a:effectRef>
+          <a:fontRef idx="minor">
+            <a:schemeClr val="lt1"/>
+          </a:fontRef>
+        </p:style>
+        <p:txBody>
+          <a:bodyPr rtlCol="0" anchor="ctr"/>
+          <a:lstStyle/>
+          <a:p>
+            <a:pPr algn="ctr"/>
+            <a:endParaRPr lang="en-US"/>
+          </a:p>
+        </p:txBody>
+      </p:sp>
+      <p:sp>
+        <p:nvSpPr>
+          <p:cNvPr id="36" name="TextBox 35">
+            <a:extLst>
+              <a:ext uri="{FF2B5EF4-FFF2-40B4-BE49-F238E27FC236}">
+                <a16:creationId xmlns:a16="http://schemas.microsoft.com/office/drawing/2014/main" id="{DDD4EA67-E059-43F0-AE33-FB4773F6026A}"/>
+              </a:ext>
+            </a:extLst>
+          </p:cNvPr>
+          <p:cNvSpPr txBox="1"/>
+          <p:nvPr/>
+        </p:nvSpPr>
+        <p:spPr>
+          <a:xfrm>
+            <a:off x="9479755" y="4193381"/>
+            <a:ext cx="1471613" cy="369332"/>
+          </a:xfrm>
+          <a:prstGeom prst="rect">
+            <a:avLst/>
+          </a:prstGeom>
+          <a:noFill/>
+        </p:spPr>
+        <p:txBody>
+          <a:bodyPr wrap="square" rtlCol="0">
+            <a:spAutoFit/>
+          </a:bodyPr>
+          <a:lstStyle/>
+          <a:p>
+            <a:r>
+              <a:rPr lang="en-US" dirty="0"/>
+              <a:t>Initialization</a:t>
+            </a:r>
+          </a:p>
+        </p:txBody>
+      </p:sp>
+      <p:sp>
+        <p:nvSpPr>
+          <p:cNvPr id="37" name="TextBox 36">
+            <a:extLst>
+              <a:ext uri="{FF2B5EF4-FFF2-40B4-BE49-F238E27FC236}">
+                <a16:creationId xmlns:a16="http://schemas.microsoft.com/office/drawing/2014/main" id="{7A4A1025-AA7A-42C7-BA03-8B46E3FDBB8C}"/>
+              </a:ext>
+            </a:extLst>
+          </p:cNvPr>
+          <p:cNvSpPr txBox="1"/>
+          <p:nvPr/>
+        </p:nvSpPr>
+        <p:spPr>
+          <a:xfrm>
+            <a:off x="4429125" y="3907631"/>
+            <a:ext cx="1814513" cy="646331"/>
+          </a:xfrm>
+          <a:prstGeom prst="rect">
+            <a:avLst/>
+          </a:prstGeom>
+          <a:noFill/>
+        </p:spPr>
+        <p:txBody>
+          <a:bodyPr wrap="square" rtlCol="0">
+            <a:spAutoFit/>
+          </a:bodyPr>
+          <a:lstStyle/>
+          <a:p>
+            <a:r>
+              <a:rPr lang="en-US" dirty="0"/>
+              <a:t>Vending A Product</a:t>
+            </a:r>
+          </a:p>
+        </p:txBody>
+      </p:sp>
+      <p:sp>
+        <p:nvSpPr>
+          <p:cNvPr id="38" name="TextBox 37">
+            <a:extLst>
+              <a:ext uri="{FF2B5EF4-FFF2-40B4-BE49-F238E27FC236}">
+                <a16:creationId xmlns:a16="http://schemas.microsoft.com/office/drawing/2014/main" id="{EDC04BBA-D25E-42F2-92BF-39C989A0A221}"/>
+              </a:ext>
+            </a:extLst>
+          </p:cNvPr>
+          <p:cNvSpPr txBox="1"/>
+          <p:nvPr/>
+        </p:nvSpPr>
+        <p:spPr>
+          <a:xfrm>
+            <a:off x="1335881" y="4014788"/>
+            <a:ext cx="1238801" cy="646331"/>
+          </a:xfrm>
+          <a:prstGeom prst="rect">
+            <a:avLst/>
+          </a:prstGeom>
+          <a:noFill/>
+        </p:spPr>
+        <p:txBody>
+          <a:bodyPr wrap="none" rtlCol="0">
+            <a:spAutoFit/>
+          </a:bodyPr>
+          <a:lstStyle/>
+          <a:p>
+            <a:r>
+              <a:rPr lang="en-US" dirty="0"/>
+              <a:t>Monitoring</a:t>
+            </a:r>
+          </a:p>
+          <a:p>
+            <a:r>
+              <a:rPr lang="en-US" dirty="0"/>
+              <a:t>System</a:t>
+            </a:r>
+          </a:p>
+        </p:txBody>
+      </p:sp>
+      <p:cxnSp>
+        <p:nvCxnSpPr>
+          <p:cNvPr id="40" name="Straight Arrow Connector 39">
+            <a:extLst>
+              <a:ext uri="{FF2B5EF4-FFF2-40B4-BE49-F238E27FC236}">
+                <a16:creationId xmlns:a16="http://schemas.microsoft.com/office/drawing/2014/main" id="{912FA639-992E-4268-99DA-59992FE28AB1}"/>
+              </a:ext>
+            </a:extLst>
+          </p:cNvPr>
+          <p:cNvCxnSpPr/>
+          <p:nvPr/>
+        </p:nvCxnSpPr>
+        <p:spPr>
+          <a:xfrm flipV="1">
+            <a:off x="1807369" y="2971800"/>
+            <a:ext cx="942975" cy="985838"/>
+          </a:xfrm>
+          <a:prstGeom prst="straightConnector1">
+            <a:avLst/>
+          </a:prstGeom>
+          <a:ln>
+            <a:tailEnd type="triangle"/>
+          </a:ln>
+        </p:spPr>
+        <p:style>
+          <a:lnRef idx="1">
+            <a:schemeClr val="accent1"/>
+          </a:lnRef>
+          <a:fillRef idx="0">
+            <a:schemeClr val="accent1"/>
+          </a:fillRef>
+          <a:effectRef idx="0">
+            <a:schemeClr val="accent1"/>
+          </a:effectRef>
+          <a:fontRef idx="minor">
+            <a:schemeClr val="tx1"/>
+          </a:fontRef>
+        </p:style>
+      </p:cxnSp>
+      <p:cxnSp>
+        <p:nvCxnSpPr>
+          <p:cNvPr id="42" name="Straight Arrow Connector 41">
+            <a:extLst>
+              <a:ext uri="{FF2B5EF4-FFF2-40B4-BE49-F238E27FC236}">
+                <a16:creationId xmlns:a16="http://schemas.microsoft.com/office/drawing/2014/main" id="{EECAD6E8-009A-45B6-BB6E-B3850D1CE79F}"/>
+              </a:ext>
+            </a:extLst>
+          </p:cNvPr>
+          <p:cNvCxnSpPr>
+            <a:endCxn id="34" idx="2"/>
+          </p:cNvCxnSpPr>
+          <p:nvPr/>
+        </p:nvCxnSpPr>
+        <p:spPr>
+          <a:xfrm flipH="1" flipV="1">
+            <a:off x="1603343" y="2806124"/>
+            <a:ext cx="104013" cy="922914"/>
+          </a:xfrm>
+          <a:prstGeom prst="straightConnector1">
+            <a:avLst/>
+          </a:prstGeom>
+          <a:ln>
+            <a:tailEnd type="triangle"/>
+          </a:ln>
+        </p:spPr>
+        <p:style>
+          <a:lnRef idx="1">
+            <a:schemeClr val="accent1"/>
+          </a:lnRef>
+          <a:fillRef idx="0">
+            <a:schemeClr val="accent1"/>
+          </a:fillRef>
+          <a:effectRef idx="0">
+            <a:schemeClr val="accent1"/>
+          </a:effectRef>
+          <a:fontRef idx="minor">
+            <a:schemeClr val="tx1"/>
+          </a:fontRef>
+        </p:style>
+      </p:cxnSp>
+      <p:cxnSp>
+        <p:nvCxnSpPr>
+          <p:cNvPr id="44" name="Straight Arrow Connector 43">
+            <a:extLst>
+              <a:ext uri="{FF2B5EF4-FFF2-40B4-BE49-F238E27FC236}">
+                <a16:creationId xmlns:a16="http://schemas.microsoft.com/office/drawing/2014/main" id="{3D1C30E3-3A45-4D5F-B1F7-A5545AAFC711}"/>
+              </a:ext>
+            </a:extLst>
+          </p:cNvPr>
+          <p:cNvCxnSpPr/>
+          <p:nvPr/>
+        </p:nvCxnSpPr>
+        <p:spPr>
+          <a:xfrm flipH="1" flipV="1">
+            <a:off x="3579019" y="2893219"/>
+            <a:ext cx="1211959" cy="1064419"/>
+          </a:xfrm>
+          <a:prstGeom prst="straightConnector1">
+            <a:avLst/>
+          </a:prstGeom>
+          <a:ln>
+            <a:tailEnd type="triangle"/>
+          </a:ln>
+        </p:spPr>
+        <p:style>
+          <a:lnRef idx="1">
+            <a:schemeClr val="accent1"/>
+          </a:lnRef>
+          <a:fillRef idx="0">
+            <a:schemeClr val="accent1"/>
+          </a:fillRef>
+          <a:effectRef idx="0">
+            <a:schemeClr val="accent1"/>
+          </a:effectRef>
+          <a:fontRef idx="minor">
+            <a:schemeClr val="tx1"/>
+          </a:fontRef>
+        </p:style>
+      </p:cxnSp>
+      <p:cxnSp>
+        <p:nvCxnSpPr>
+          <p:cNvPr id="46" name="Straight Arrow Connector 45">
+            <a:extLst>
+              <a:ext uri="{FF2B5EF4-FFF2-40B4-BE49-F238E27FC236}">
+                <a16:creationId xmlns:a16="http://schemas.microsoft.com/office/drawing/2014/main" id="{7315F570-6F6B-472C-A4C3-8A5645F3B912}"/>
+              </a:ext>
+            </a:extLst>
+          </p:cNvPr>
+          <p:cNvCxnSpPr/>
+          <p:nvPr/>
+        </p:nvCxnSpPr>
+        <p:spPr>
+          <a:xfrm flipV="1">
+            <a:off x="5222081" y="2950369"/>
+            <a:ext cx="0" cy="928688"/>
+          </a:xfrm>
+          <a:prstGeom prst="straightConnector1">
+            <a:avLst/>
+          </a:prstGeom>
+          <a:ln>
+            <a:tailEnd type="triangle"/>
+          </a:ln>
+        </p:spPr>
+        <p:style>
+          <a:lnRef idx="1">
+            <a:schemeClr val="accent1"/>
+          </a:lnRef>
+          <a:fillRef idx="0">
+            <a:schemeClr val="accent1"/>
+          </a:fillRef>
+          <a:effectRef idx="0">
+            <a:schemeClr val="accent1"/>
+          </a:effectRef>
+          <a:fontRef idx="minor">
+            <a:schemeClr val="tx1"/>
+          </a:fontRef>
+        </p:style>
+      </p:cxnSp>
+      <p:cxnSp>
+        <p:nvCxnSpPr>
+          <p:cNvPr id="48" name="Straight Arrow Connector 47">
+            <a:extLst>
+              <a:ext uri="{FF2B5EF4-FFF2-40B4-BE49-F238E27FC236}">
+                <a16:creationId xmlns:a16="http://schemas.microsoft.com/office/drawing/2014/main" id="{80B98638-C57B-4823-958B-2D7ED8A131D9}"/>
+              </a:ext>
+            </a:extLst>
+          </p:cNvPr>
+          <p:cNvCxnSpPr/>
+          <p:nvPr/>
+        </p:nvCxnSpPr>
+        <p:spPr>
+          <a:xfrm flipV="1">
+            <a:off x="5793581" y="3228975"/>
+            <a:ext cx="1107282" cy="728663"/>
+          </a:xfrm>
+          <a:prstGeom prst="straightConnector1">
+            <a:avLst/>
+          </a:prstGeom>
+          <a:ln>
+            <a:tailEnd type="triangle"/>
+          </a:ln>
+        </p:spPr>
+        <p:style>
+          <a:lnRef idx="1">
+            <a:schemeClr val="accent1"/>
+          </a:lnRef>
+          <a:fillRef idx="0">
+            <a:schemeClr val="accent1"/>
+          </a:fillRef>
+          <a:effectRef idx="0">
+            <a:schemeClr val="accent1"/>
+          </a:effectRef>
+          <a:fontRef idx="minor">
+            <a:schemeClr val="tx1"/>
+          </a:fontRef>
+        </p:style>
+      </p:cxnSp>
+      <p:cxnSp>
+        <p:nvCxnSpPr>
+          <p:cNvPr id="50" name="Straight Arrow Connector 49">
+            <a:extLst>
+              <a:ext uri="{FF2B5EF4-FFF2-40B4-BE49-F238E27FC236}">
+                <a16:creationId xmlns:a16="http://schemas.microsoft.com/office/drawing/2014/main" id="{1BD19C27-9E5F-4707-B823-43EAC8B0730B}"/>
+              </a:ext>
+            </a:extLst>
+          </p:cNvPr>
+          <p:cNvCxnSpPr/>
+          <p:nvPr/>
+        </p:nvCxnSpPr>
+        <p:spPr>
+          <a:xfrm flipV="1">
+            <a:off x="5979319" y="2893219"/>
+            <a:ext cx="2478881" cy="1557337"/>
+          </a:xfrm>
+          <a:prstGeom prst="straightConnector1">
+            <a:avLst/>
+          </a:prstGeom>
+          <a:ln>
+            <a:tailEnd type="triangle"/>
+          </a:ln>
+        </p:spPr>
+        <p:style>
+          <a:lnRef idx="1">
+            <a:schemeClr val="accent1"/>
+          </a:lnRef>
+          <a:fillRef idx="0">
+            <a:schemeClr val="accent1"/>
+          </a:fillRef>
+          <a:effectRef idx="0">
+            <a:schemeClr val="accent1"/>
+          </a:effectRef>
+          <a:fontRef idx="minor">
+            <a:schemeClr val="tx1"/>
+          </a:fontRef>
+        </p:style>
+      </p:cxnSp>
+      <p:cxnSp>
+        <p:nvCxnSpPr>
+          <p:cNvPr id="52" name="Straight Arrow Connector 51">
+            <a:extLst>
+              <a:ext uri="{FF2B5EF4-FFF2-40B4-BE49-F238E27FC236}">
+                <a16:creationId xmlns:a16="http://schemas.microsoft.com/office/drawing/2014/main" id="{F40050DA-289A-46C3-853D-67547CEBAD5E}"/>
+              </a:ext>
+            </a:extLst>
+          </p:cNvPr>
+          <p:cNvCxnSpPr>
+            <a:endCxn id="28" idx="2"/>
+          </p:cNvCxnSpPr>
+          <p:nvPr/>
+        </p:nvCxnSpPr>
+        <p:spPr>
+          <a:xfrm flipV="1">
+            <a:off x="9958388" y="2806124"/>
+            <a:ext cx="318433" cy="1387257"/>
+          </a:xfrm>
+          <a:prstGeom prst="straightConnector1">
+            <a:avLst/>
+          </a:prstGeom>
+          <a:ln>
+            <a:tailEnd type="triangle"/>
+          </a:ln>
+        </p:spPr>
+        <p:style>
+          <a:lnRef idx="1">
+            <a:schemeClr val="accent1"/>
+          </a:lnRef>
+          <a:fillRef idx="0">
+            <a:schemeClr val="accent1"/>
+          </a:fillRef>
+          <a:effectRef idx="0">
+            <a:schemeClr val="accent1"/>
+          </a:effectRef>
+          <a:fontRef idx="minor">
+            <a:schemeClr val="tx1"/>
+          </a:fontRef>
+        </p:style>
+      </p:cxnSp>
+      <p:sp>
+        <p:nvSpPr>
+          <p:cNvPr id="53" name="Rectangle 52">
+            <a:extLst>
+              <a:ext uri="{FF2B5EF4-FFF2-40B4-BE49-F238E27FC236}">
+                <a16:creationId xmlns:a16="http://schemas.microsoft.com/office/drawing/2014/main" id="{50F11BBF-2937-459B-9C2E-E4DC220A71B3}"/>
+              </a:ext>
+            </a:extLst>
+          </p:cNvPr>
+          <p:cNvSpPr/>
+          <p:nvPr/>
+        </p:nvSpPr>
+        <p:spPr>
+          <a:xfrm>
+            <a:off x="453105" y="3824049"/>
+            <a:ext cx="11341226" cy="1353114"/>
+          </a:xfrm>
+          <a:prstGeom prst="rect">
+            <a:avLst/>
+          </a:prstGeom>
+          <a:noFill/>
+        </p:spPr>
+        <p:style>
+          <a:lnRef idx="2">
+            <a:schemeClr val="accent1">
+              <a:shade val="50000"/>
+            </a:schemeClr>
+          </a:lnRef>
+          <a:fillRef idx="1">
+            <a:schemeClr val="accent1"/>
+          </a:fillRef>
+          <a:effectRef idx="0">
+            <a:schemeClr val="accent1"/>
+          </a:effectRef>
+          <a:fontRef idx="minor">
+            <a:schemeClr val="lt1"/>
+          </a:fontRef>
+        </p:style>
+        <p:txBody>
+          <a:bodyPr rtlCol="0" anchor="ctr"/>
+          <a:lstStyle/>
+          <a:p>
+            <a:pPr algn="ctr"/>
+            <a:endParaRPr lang="en-US"/>
+          </a:p>
+        </p:txBody>
+      </p:sp>
+      <p:sp>
+        <p:nvSpPr>
+          <p:cNvPr id="54" name="Rectangle 53">
+            <a:extLst>
+              <a:ext uri="{FF2B5EF4-FFF2-40B4-BE49-F238E27FC236}">
+                <a16:creationId xmlns:a16="http://schemas.microsoft.com/office/drawing/2014/main" id="{D5D73380-30C7-45A1-992C-268E59D31043}"/>
+              </a:ext>
+            </a:extLst>
+          </p:cNvPr>
+          <p:cNvSpPr/>
+          <p:nvPr/>
+        </p:nvSpPr>
+        <p:spPr>
+          <a:xfrm>
+            <a:off x="5605031" y="1281080"/>
+            <a:ext cx="1455976" cy="523220"/>
+          </a:xfrm>
+          <a:prstGeom prst="rect">
+            <a:avLst/>
+          </a:prstGeom>
+          <a:noFill/>
+        </p:spPr>
+        <p:txBody>
+          <a:bodyPr wrap="none" lIns="91440" tIns="45720" rIns="91440" bIns="45720">
+            <a:spAutoFit/>
+          </a:bodyPr>
+          <a:lstStyle/>
+          <a:p>
+            <a:pPr algn="ctr"/>
+            <a:r>
+              <a:rPr lang="en-US" sz="2800" dirty="0" err="1">
+                <a:ln w="0"/>
+                <a:effectLst>
+                  <a:outerShdw blurRad="38100" dist="19050" dir="2700000" algn="tl" rotWithShape="0">
+                    <a:schemeClr val="dk1">
+                      <a:alpha val="40000"/>
+                    </a:schemeClr>
+                  </a:outerShdw>
+                </a:effectLst>
+              </a:rPr>
+              <a:t>Redis</a:t>
+            </a:r>
+            <a:r>
+              <a:rPr lang="en-US" sz="2800" dirty="0">
+                <a:ln w="0"/>
+                <a:effectLst>
+                  <a:outerShdw blurRad="38100" dist="19050" dir="2700000" algn="tl" rotWithShape="0">
+                    <a:schemeClr val="dk1">
+                      <a:alpha val="40000"/>
+                    </a:schemeClr>
+                  </a:outerShdw>
+                </a:effectLst>
+              </a:rPr>
+              <a:t> Db</a:t>
+            </a:r>
+          </a:p>
+        </p:txBody>
+      </p:sp>
+      <p:sp>
+        <p:nvSpPr>
+          <p:cNvPr id="55" name="Rectangle 54">
+            <a:extLst>
+              <a:ext uri="{FF2B5EF4-FFF2-40B4-BE49-F238E27FC236}">
+                <a16:creationId xmlns:a16="http://schemas.microsoft.com/office/drawing/2014/main" id="{B179EE7D-BF15-4830-B459-4ABA9BD124B0}"/>
+              </a:ext>
+            </a:extLst>
+          </p:cNvPr>
+          <p:cNvSpPr/>
+          <p:nvPr/>
+        </p:nvSpPr>
+        <p:spPr>
+          <a:xfrm>
+            <a:off x="9294019" y="5370356"/>
+            <a:ext cx="2233368" cy="461665"/>
+          </a:xfrm>
+          <a:prstGeom prst="rect">
+            <a:avLst/>
+          </a:prstGeom>
+          <a:noFill/>
+        </p:spPr>
+        <p:txBody>
+          <a:bodyPr wrap="none" lIns="91440" tIns="45720" rIns="91440" bIns="45720">
+            <a:spAutoFit/>
+          </a:bodyPr>
+          <a:lstStyle/>
+          <a:p>
+            <a:pPr algn="ctr"/>
+            <a:r>
+              <a:rPr lang="en-US" sz="2400" b="0" cap="none" spc="0" dirty="0">
+                <a:ln w="0"/>
+                <a:solidFill>
+                  <a:schemeClr val="tx1"/>
+                </a:solidFill>
+                <a:effectLst>
+                  <a:outerShdw blurRad="38100" dist="19050" dir="2700000" algn="tl" rotWithShape="0">
+                    <a:schemeClr val="dk1">
+                      <a:alpha val="40000"/>
+                    </a:schemeClr>
+                  </a:outerShdw>
+                </a:effectLst>
+              </a:rPr>
+              <a:t>ESP32 Processes</a:t>
             </a:r>
           </a:p>
         </p:txBody>
@@ -6136,6 +6948,96 @@
 </p:sld>
 </file>
 
+<file path=ppt/slides/slide18.xml><?xml version="1.0" encoding="utf-8"?>
+<p:sld xmlns:a="http://schemas.openxmlformats.org/drawingml/2006/main" xmlns:r="http://schemas.openxmlformats.org/officeDocument/2006/relationships" xmlns:p="http://schemas.openxmlformats.org/presentationml/2006/main">
+  <p:cSld>
+    <p:spTree>
+      <p:nvGrpSpPr>
+        <p:cNvPr id="1" name=""/>
+        <p:cNvGrpSpPr/>
+        <p:nvPr/>
+      </p:nvGrpSpPr>
+      <p:grpSpPr>
+        <a:xfrm>
+          <a:off x="0" y="0"/>
+          <a:ext cx="0" cy="0"/>
+          <a:chOff x="0" y="0"/>
+          <a:chExt cx="0" cy="0"/>
+        </a:xfrm>
+      </p:grpSpPr>
+      <p:sp>
+        <p:nvSpPr>
+          <p:cNvPr id="2" name="Title 1">
+            <a:extLst>
+              <a:ext uri="{FF2B5EF4-FFF2-40B4-BE49-F238E27FC236}">
+                <a16:creationId xmlns:a16="http://schemas.microsoft.com/office/drawing/2014/main" id="{A44548F1-6A5B-4F6C-988B-5E88BEFC152B}"/>
+              </a:ext>
+            </a:extLst>
+          </p:cNvPr>
+          <p:cNvSpPr>
+            <a:spLocks noGrp="1"/>
+          </p:cNvSpPr>
+          <p:nvPr>
+            <p:ph type="title"/>
+          </p:nvPr>
+        </p:nvSpPr>
+        <p:spPr/>
+        <p:txBody>
+          <a:bodyPr/>
+          <a:lstStyle/>
+          <a:p>
+            <a:r>
+              <a:rPr lang="en-US" dirty="0"/>
+              <a:t>QPR Code</a:t>
+            </a:r>
+          </a:p>
+        </p:txBody>
+      </p:sp>
+      <p:sp>
+        <p:nvSpPr>
+          <p:cNvPr id="3" name="Content Placeholder 2">
+            <a:extLst>
+              <a:ext uri="{FF2B5EF4-FFF2-40B4-BE49-F238E27FC236}">
+                <a16:creationId xmlns:a16="http://schemas.microsoft.com/office/drawing/2014/main" id="{AC2938A7-3458-469D-906F-3AF7EA954EDE}"/>
+              </a:ext>
+            </a:extLst>
+          </p:cNvPr>
+          <p:cNvSpPr>
+            <a:spLocks noGrp="1"/>
+          </p:cNvSpPr>
+          <p:nvPr>
+            <p:ph idx="1"/>
+          </p:nvPr>
+        </p:nvSpPr>
+        <p:spPr/>
+        <p:txBody>
+          <a:bodyPr/>
+          <a:lstStyle/>
+          <a:p>
+            <a:r>
+              <a:rPr lang="en-US" dirty="0"/>
+              <a:t>The vending machine will have a QPR sticker that will send the user to the Mark Coin web site to select and pay for </a:t>
+            </a:r>
+            <a:r>
+              <a:rPr lang="en-US"/>
+              <a:t>the product</a:t>
+            </a:r>
+          </a:p>
+        </p:txBody>
+      </p:sp>
+    </p:spTree>
+    <p:extLst>
+      <p:ext uri="{BB962C8B-B14F-4D97-AF65-F5344CB8AC3E}">
+        <p14:creationId xmlns:p14="http://schemas.microsoft.com/office/powerpoint/2010/main" val="121273900"/>
+      </p:ext>
+    </p:extLst>
+  </p:cSld>
+  <p:clrMapOvr>
+    <a:masterClrMapping/>
+  </p:clrMapOvr>
+</p:sld>
+</file>
+
 <file path=ppt/slides/slide2.xml><?xml version="1.0" encoding="utf-8"?>
 <p:sld xmlns:a="http://schemas.openxmlformats.org/drawingml/2006/main" xmlns:r="http://schemas.openxmlformats.org/officeDocument/2006/relationships" xmlns:p="http://schemas.openxmlformats.org/presentationml/2006/main">
   <p:cSld>
@@ -6231,6 +7133,26 @@
             <a:r>
               <a:rPr lang="en-US" dirty="0"/>
               <a:t>We need to get the system out as fast as possible.</a:t>
+            </a:r>
+          </a:p>
+          <a:p>
+            <a:r>
+              <a:rPr lang="en-US" dirty="0"/>
+              <a:t>Since this is a prototype, we can push technology:</a:t>
+            </a:r>
+          </a:p>
+          <a:p>
+            <a:pPr lvl="1"/>
+            <a:r>
+              <a:rPr lang="en-US" dirty="0"/>
+              <a:t>If it fails, we will not do it in the future</a:t>
+            </a:r>
+          </a:p>
+          <a:p>
+            <a:pPr lvl="1"/>
+            <a:r>
+              <a:rPr lang="en-US" dirty="0"/>
+              <a:t>If it succeeds then we will have a valuable tool.</a:t>
             </a:r>
           </a:p>
           <a:p>
@@ -8085,7 +9007,7 @@
         <p:spPr>
           <a:xfrm>
             <a:off x="6934630" y="4645455"/>
-            <a:ext cx="2264569" cy="1754326"/>
+            <a:ext cx="2264569" cy="1200329"/>
           </a:xfrm>
           <a:prstGeom prst="rect">
             <a:avLst/>
@@ -8107,37 +9029,13 @@
           <a:p>
             <a:r>
               <a:rPr lang="en-US" dirty="0"/>
-              <a:t>Slave to</a:t>
-            </a:r>
-          </a:p>
-          <a:p>
-            <a:r>
-              <a:rPr lang="en-US" dirty="0"/>
-              <a:t>Detect</a:t>
-            </a:r>
-          </a:p>
-          <a:p>
-            <a:r>
-              <a:rPr lang="en-US" dirty="0"/>
-              <a:t>Vending</a:t>
-            </a:r>
-          </a:p>
-          <a:p>
-            <a:r>
-              <a:rPr lang="en-US" dirty="0"/>
-              <a:t>Machine</a:t>
-            </a:r>
-          </a:p>
-          <a:p>
-            <a:r>
-              <a:rPr lang="en-US" dirty="0"/>
-              <a:t>Product</a:t>
-            </a:r>
-          </a:p>
-          <a:p>
-            <a:r>
-              <a:rPr lang="en-US" dirty="0"/>
-              <a:t>Pickup Bin</a:t>
+              <a:t>Slave for intrusion detection and</a:t>
+            </a:r>
+          </a:p>
+          <a:p>
+            <a:r>
+              <a:rPr lang="en-US" dirty="0"/>
+              <a:t>To detect product pickup</a:t>
             </a:r>
           </a:p>
         </p:txBody>
@@ -8234,7 +9132,7 @@
           <a:p>
             <a:r>
               <a:rPr lang="en-US" dirty="0"/>
-              <a:t>Salient Points</a:t>
+              <a:t>Two Type of Cables</a:t>
             </a:r>
           </a:p>
         </p:txBody>
@@ -8284,14 +9182,14 @@
             <a:pPr lvl="2"/>
             <a:r>
               <a:rPr lang="en-US" dirty="0"/>
-              <a:t>Hi for motor</a:t>
+              <a:t>Hi for motor  +24 Volts</a:t>
             </a:r>
           </a:p>
           <a:p>
             <a:pPr lvl="2"/>
             <a:r>
               <a:rPr lang="en-US" dirty="0"/>
-              <a:t>Hi for slave</a:t>
+              <a:t>Hi for slave  +24 Volts </a:t>
             </a:r>
           </a:p>
           <a:p>
@@ -8318,7 +9216,7 @@
             <a:pPr lvl="1"/>
             <a:r>
               <a:rPr lang="en-US" dirty="0"/>
-              <a:t>Hi for Motor</a:t>
+              <a:t>Hi for Motor  +24 Volts</a:t>
             </a:r>
           </a:p>
           <a:p>
@@ -8332,7 +9230,7 @@
             <a:pPr lvl="1"/>
             <a:r>
               <a:rPr lang="en-US" dirty="0"/>
-              <a:t>Line for synchronization</a:t>
+              <a:t>Line for synchronization  ( 3.3 V ???)</a:t>
             </a:r>
           </a:p>
         </p:txBody>
